--- a/docs/script_toolkit_poster.pptx
+++ b/docs/script_toolkit_poster.pptx
@@ -53,7 +53,7 @@
       </p:grpSpPr>
       <p:sp>
         <p:nvSpPr>
-          <p:cNvPr id="22" name="PlaceHolder 1"/>
+          <p:cNvPr id="23" name="PlaceHolder 1"/>
           <p:cNvSpPr>
             <a:spLocks noGrp="1"/>
           </p:cNvSpPr>
@@ -63,8 +63,8 @@
         </p:nvSpPr>
         <p:spPr>
           <a:xfrm>
-            <a:off x="1645920" y="874440"/>
-            <a:ext cx="29625120" cy="3663360"/>
+            <a:off x="1645920" y="875520"/>
+            <a:ext cx="29626200" cy="3664440"/>
           </a:xfrm>
           <a:prstGeom prst="rect">
             <a:avLst/>
@@ -75,22 +75,14 @@
           <a:p>
             <a:pPr algn="ctr"/>
             <a:endParaRPr b="0" lang="en-US" sz="4400" spc="-1" strike="noStrike">
-              <a:solidFill>
-                <a:srgbClr val="000000"/>
-              </a:solidFill>
-              <a:uFill>
-                <a:solidFill>
-                  <a:srgbClr val="ffffff"/>
-                </a:solidFill>
-              </a:uFill>
-              <a:latin typeface="Arial"/>
-            </a:endParaRPr>
-          </a:p>
-        </p:txBody>
-      </p:sp>
-      <p:sp>
-        <p:nvSpPr>
-          <p:cNvPr id="23" name="PlaceHolder 2"/>
+              <a:latin typeface="Arial"/>
+            </a:endParaRPr>
+          </a:p>
+        </p:txBody>
+      </p:sp>
+      <p:sp>
+        <p:nvSpPr>
+          <p:cNvPr id="24" name="PlaceHolder 2"/>
           <p:cNvSpPr>
             <a:spLocks noGrp="1"/>
           </p:cNvSpPr>
@@ -113,22 +105,14 @@
           </a:bodyPr>
           <a:p>
             <a:endParaRPr b="0" lang="en-US" sz="3200" spc="-1" strike="noStrike">
-              <a:solidFill>
-                <a:srgbClr val="000000"/>
-              </a:solidFill>
-              <a:uFill>
-                <a:solidFill>
-                  <a:srgbClr val="ffffff"/>
-                </a:solidFill>
-              </a:uFill>
-              <a:latin typeface="Arial"/>
-            </a:endParaRPr>
-          </a:p>
-        </p:txBody>
-      </p:sp>
-      <p:sp>
-        <p:nvSpPr>
-          <p:cNvPr id="24" name="PlaceHolder 3"/>
+              <a:latin typeface="Arial"/>
+            </a:endParaRPr>
+          </a:p>
+        </p:txBody>
+      </p:sp>
+      <p:sp>
+        <p:nvSpPr>
+          <p:cNvPr id="25" name="PlaceHolder 3"/>
           <p:cNvSpPr>
             <a:spLocks noGrp="1"/>
           </p:cNvSpPr>
@@ -151,14 +135,6 @@
           </a:bodyPr>
           <a:p>
             <a:endParaRPr b="0" lang="en-US" sz="3200" spc="-1" strike="noStrike">
-              <a:solidFill>
-                <a:srgbClr val="000000"/>
-              </a:solidFill>
-              <a:uFill>
-                <a:solidFill>
-                  <a:srgbClr val="ffffff"/>
-                </a:solidFill>
-              </a:uFill>
               <a:latin typeface="Arial"/>
             </a:endParaRPr>
           </a:p>
@@ -188,7 +164,7 @@
       </p:grpSpPr>
       <p:sp>
         <p:nvSpPr>
-          <p:cNvPr id="25" name="PlaceHolder 1"/>
+          <p:cNvPr id="26" name="PlaceHolder 1"/>
           <p:cNvSpPr>
             <a:spLocks noGrp="1"/>
           </p:cNvSpPr>
@@ -198,8 +174,8 @@
         </p:nvSpPr>
         <p:spPr>
           <a:xfrm>
-            <a:off x="1645920" y="874440"/>
-            <a:ext cx="29625120" cy="3663360"/>
+            <a:off x="1645920" y="875520"/>
+            <a:ext cx="29626200" cy="3664440"/>
           </a:xfrm>
           <a:prstGeom prst="rect">
             <a:avLst/>
@@ -210,22 +186,14 @@
           <a:p>
             <a:pPr algn="ctr"/>
             <a:endParaRPr b="0" lang="en-US" sz="4400" spc="-1" strike="noStrike">
-              <a:solidFill>
-                <a:srgbClr val="000000"/>
-              </a:solidFill>
-              <a:uFill>
-                <a:solidFill>
-                  <a:srgbClr val="ffffff"/>
-                </a:solidFill>
-              </a:uFill>
-              <a:latin typeface="Arial"/>
-            </a:endParaRPr>
-          </a:p>
-        </p:txBody>
-      </p:sp>
-      <p:sp>
-        <p:nvSpPr>
-          <p:cNvPr id="26" name="PlaceHolder 2"/>
+              <a:latin typeface="Arial"/>
+            </a:endParaRPr>
+          </a:p>
+        </p:txBody>
+      </p:sp>
+      <p:sp>
+        <p:nvSpPr>
+          <p:cNvPr id="27" name="PlaceHolder 2"/>
           <p:cNvSpPr>
             <a:spLocks noGrp="1"/>
           </p:cNvSpPr>
@@ -248,22 +216,14 @@
           </a:bodyPr>
           <a:p>
             <a:endParaRPr b="0" lang="en-US" sz="3200" spc="-1" strike="noStrike">
-              <a:solidFill>
-                <a:srgbClr val="000000"/>
-              </a:solidFill>
-              <a:uFill>
-                <a:solidFill>
-                  <a:srgbClr val="ffffff"/>
-                </a:solidFill>
-              </a:uFill>
-              <a:latin typeface="Arial"/>
-            </a:endParaRPr>
-          </a:p>
-        </p:txBody>
-      </p:sp>
-      <p:sp>
-        <p:nvSpPr>
-          <p:cNvPr id="27" name="PlaceHolder 3"/>
+              <a:latin typeface="Arial"/>
+            </a:endParaRPr>
+          </a:p>
+        </p:txBody>
+      </p:sp>
+      <p:sp>
+        <p:nvSpPr>
+          <p:cNvPr id="28" name="PlaceHolder 3"/>
           <p:cNvSpPr>
             <a:spLocks noGrp="1"/>
           </p:cNvSpPr>
@@ -286,22 +246,14 @@
           </a:bodyPr>
           <a:p>
             <a:endParaRPr b="0" lang="en-US" sz="3200" spc="-1" strike="noStrike">
-              <a:solidFill>
-                <a:srgbClr val="000000"/>
-              </a:solidFill>
-              <a:uFill>
-                <a:solidFill>
-                  <a:srgbClr val="ffffff"/>
-                </a:solidFill>
-              </a:uFill>
-              <a:latin typeface="Arial"/>
-            </a:endParaRPr>
-          </a:p>
-        </p:txBody>
-      </p:sp>
-      <p:sp>
-        <p:nvSpPr>
-          <p:cNvPr id="28" name="PlaceHolder 4"/>
+              <a:latin typeface="Arial"/>
+            </a:endParaRPr>
+          </a:p>
+        </p:txBody>
+      </p:sp>
+      <p:sp>
+        <p:nvSpPr>
+          <p:cNvPr id="29" name="PlaceHolder 4"/>
           <p:cNvSpPr>
             <a:spLocks noGrp="1"/>
           </p:cNvSpPr>
@@ -324,22 +276,14 @@
           </a:bodyPr>
           <a:p>
             <a:endParaRPr b="0" lang="en-US" sz="3200" spc="-1" strike="noStrike">
-              <a:solidFill>
-                <a:srgbClr val="000000"/>
-              </a:solidFill>
-              <a:uFill>
-                <a:solidFill>
-                  <a:srgbClr val="ffffff"/>
-                </a:solidFill>
-              </a:uFill>
-              <a:latin typeface="Arial"/>
-            </a:endParaRPr>
-          </a:p>
-        </p:txBody>
-      </p:sp>
-      <p:sp>
-        <p:nvSpPr>
-          <p:cNvPr id="29" name="PlaceHolder 5"/>
+              <a:latin typeface="Arial"/>
+            </a:endParaRPr>
+          </a:p>
+        </p:txBody>
+      </p:sp>
+      <p:sp>
+        <p:nvSpPr>
+          <p:cNvPr id="30" name="PlaceHolder 5"/>
           <p:cNvSpPr>
             <a:spLocks noGrp="1"/>
           </p:cNvSpPr>
@@ -362,14 +306,6 @@
           </a:bodyPr>
           <a:p>
             <a:endParaRPr b="0" lang="en-US" sz="3200" spc="-1" strike="noStrike">
-              <a:solidFill>
-                <a:srgbClr val="000000"/>
-              </a:solidFill>
-              <a:uFill>
-                <a:solidFill>
-                  <a:srgbClr val="ffffff"/>
-                </a:solidFill>
-              </a:uFill>
               <a:latin typeface="Arial"/>
             </a:endParaRPr>
           </a:p>
@@ -399,7 +335,7 @@
       </p:grpSpPr>
       <p:sp>
         <p:nvSpPr>
-          <p:cNvPr id="30" name="PlaceHolder 1"/>
+          <p:cNvPr id="31" name="PlaceHolder 1"/>
           <p:cNvSpPr>
             <a:spLocks noGrp="1"/>
           </p:cNvSpPr>
@@ -409,8 +345,8 @@
         </p:nvSpPr>
         <p:spPr>
           <a:xfrm>
-            <a:off x="1645920" y="874440"/>
-            <a:ext cx="29625120" cy="3663360"/>
+            <a:off x="1645920" y="875520"/>
+            <a:ext cx="29626200" cy="3664440"/>
           </a:xfrm>
           <a:prstGeom prst="rect">
             <a:avLst/>
@@ -421,22 +357,14 @@
           <a:p>
             <a:pPr algn="ctr"/>
             <a:endParaRPr b="0" lang="en-US" sz="4400" spc="-1" strike="noStrike">
-              <a:solidFill>
-                <a:srgbClr val="000000"/>
-              </a:solidFill>
-              <a:uFill>
-                <a:solidFill>
-                  <a:srgbClr val="ffffff"/>
-                </a:solidFill>
-              </a:uFill>
-              <a:latin typeface="Arial"/>
-            </a:endParaRPr>
-          </a:p>
-        </p:txBody>
-      </p:sp>
-      <p:sp>
-        <p:nvSpPr>
-          <p:cNvPr id="31" name="PlaceHolder 2"/>
+              <a:latin typeface="Arial"/>
+            </a:endParaRPr>
+          </a:p>
+        </p:txBody>
+      </p:sp>
+      <p:sp>
+        <p:nvSpPr>
+          <p:cNvPr id="32" name="PlaceHolder 2"/>
           <p:cNvSpPr>
             <a:spLocks noGrp="1"/>
           </p:cNvSpPr>
@@ -459,22 +387,14 @@
           </a:bodyPr>
           <a:p>
             <a:endParaRPr b="0" lang="en-US" sz="3200" spc="-1" strike="noStrike">
-              <a:solidFill>
-                <a:srgbClr val="000000"/>
-              </a:solidFill>
-              <a:uFill>
-                <a:solidFill>
-                  <a:srgbClr val="ffffff"/>
-                </a:solidFill>
-              </a:uFill>
-              <a:latin typeface="Arial"/>
-            </a:endParaRPr>
-          </a:p>
-        </p:txBody>
-      </p:sp>
-      <p:sp>
-        <p:nvSpPr>
-          <p:cNvPr id="32" name="PlaceHolder 3"/>
+              <a:latin typeface="Arial"/>
+            </a:endParaRPr>
+          </a:p>
+        </p:txBody>
+      </p:sp>
+      <p:sp>
+        <p:nvSpPr>
+          <p:cNvPr id="33" name="PlaceHolder 3"/>
           <p:cNvSpPr>
             <a:spLocks noGrp="1"/>
           </p:cNvSpPr>
@@ -497,22 +417,14 @@
           </a:bodyPr>
           <a:p>
             <a:endParaRPr b="0" lang="en-US" sz="3200" spc="-1" strike="noStrike">
-              <a:solidFill>
-                <a:srgbClr val="000000"/>
-              </a:solidFill>
-              <a:uFill>
-                <a:solidFill>
-                  <a:srgbClr val="ffffff"/>
-                </a:solidFill>
-              </a:uFill>
-              <a:latin typeface="Arial"/>
-            </a:endParaRPr>
-          </a:p>
-        </p:txBody>
-      </p:sp>
-      <p:sp>
-        <p:nvSpPr>
-          <p:cNvPr id="33" name="PlaceHolder 4"/>
+              <a:latin typeface="Arial"/>
+            </a:endParaRPr>
+          </a:p>
+        </p:txBody>
+      </p:sp>
+      <p:sp>
+        <p:nvSpPr>
+          <p:cNvPr id="34" name="PlaceHolder 4"/>
           <p:cNvSpPr>
             <a:spLocks noGrp="1"/>
           </p:cNvSpPr>
@@ -535,22 +447,14 @@
           </a:bodyPr>
           <a:p>
             <a:endParaRPr b="0" lang="en-US" sz="3200" spc="-1" strike="noStrike">
-              <a:solidFill>
-                <a:srgbClr val="000000"/>
-              </a:solidFill>
-              <a:uFill>
-                <a:solidFill>
-                  <a:srgbClr val="ffffff"/>
-                </a:solidFill>
-              </a:uFill>
-              <a:latin typeface="Arial"/>
-            </a:endParaRPr>
-          </a:p>
-        </p:txBody>
-      </p:sp>
-      <p:sp>
-        <p:nvSpPr>
-          <p:cNvPr id="34" name="PlaceHolder 5"/>
+              <a:latin typeface="Arial"/>
+            </a:endParaRPr>
+          </a:p>
+        </p:txBody>
+      </p:sp>
+      <p:sp>
+        <p:nvSpPr>
+          <p:cNvPr id="35" name="PlaceHolder 5"/>
           <p:cNvSpPr>
             <a:spLocks noGrp="1"/>
           </p:cNvSpPr>
@@ -573,22 +477,14 @@
           </a:bodyPr>
           <a:p>
             <a:endParaRPr b="0" lang="en-US" sz="3200" spc="-1" strike="noStrike">
-              <a:solidFill>
-                <a:srgbClr val="000000"/>
-              </a:solidFill>
-              <a:uFill>
-                <a:solidFill>
-                  <a:srgbClr val="ffffff"/>
-                </a:solidFill>
-              </a:uFill>
-              <a:latin typeface="Arial"/>
-            </a:endParaRPr>
-          </a:p>
-        </p:txBody>
-      </p:sp>
-      <p:sp>
-        <p:nvSpPr>
-          <p:cNvPr id="35" name="PlaceHolder 6"/>
+              <a:latin typeface="Arial"/>
+            </a:endParaRPr>
+          </a:p>
+        </p:txBody>
+      </p:sp>
+      <p:sp>
+        <p:nvSpPr>
+          <p:cNvPr id="36" name="PlaceHolder 6"/>
           <p:cNvSpPr>
             <a:spLocks noGrp="1"/>
           </p:cNvSpPr>
@@ -611,22 +507,14 @@
           </a:bodyPr>
           <a:p>
             <a:endParaRPr b="0" lang="en-US" sz="3200" spc="-1" strike="noStrike">
-              <a:solidFill>
-                <a:srgbClr val="000000"/>
-              </a:solidFill>
-              <a:uFill>
-                <a:solidFill>
-                  <a:srgbClr val="ffffff"/>
-                </a:solidFill>
-              </a:uFill>
-              <a:latin typeface="Arial"/>
-            </a:endParaRPr>
-          </a:p>
-        </p:txBody>
-      </p:sp>
-      <p:sp>
-        <p:nvSpPr>
-          <p:cNvPr id="36" name="PlaceHolder 7"/>
+              <a:latin typeface="Arial"/>
+            </a:endParaRPr>
+          </a:p>
+        </p:txBody>
+      </p:sp>
+      <p:sp>
+        <p:nvSpPr>
+          <p:cNvPr id="37" name="PlaceHolder 7"/>
           <p:cNvSpPr>
             <a:spLocks noGrp="1"/>
           </p:cNvSpPr>
@@ -649,14 +537,6 @@
           </a:bodyPr>
           <a:p>
             <a:endParaRPr b="0" lang="en-US" sz="3200" spc="-1" strike="noStrike">
-              <a:solidFill>
-                <a:srgbClr val="000000"/>
-              </a:solidFill>
-              <a:uFill>
-                <a:solidFill>
-                  <a:srgbClr val="ffffff"/>
-                </a:solidFill>
-              </a:uFill>
               <a:latin typeface="Arial"/>
             </a:endParaRPr>
           </a:p>
@@ -686,7 +566,7 @@
       </p:grpSpPr>
       <p:sp>
         <p:nvSpPr>
-          <p:cNvPr id="1" name="PlaceHolder 1"/>
+          <p:cNvPr id="2" name="PlaceHolder 1"/>
           <p:cNvSpPr>
             <a:spLocks noGrp="1"/>
           </p:cNvSpPr>
@@ -696,8 +576,8 @@
         </p:nvSpPr>
         <p:spPr>
           <a:xfrm>
-            <a:off x="1645920" y="874440"/>
-            <a:ext cx="29625120" cy="3663360"/>
+            <a:off x="1645920" y="875520"/>
+            <a:ext cx="29626200" cy="3664440"/>
           </a:xfrm>
           <a:prstGeom prst="rect">
             <a:avLst/>
@@ -708,22 +588,14 @@
           <a:p>
             <a:pPr algn="ctr"/>
             <a:endParaRPr b="0" lang="en-US" sz="4400" spc="-1" strike="noStrike">
-              <a:solidFill>
-                <a:srgbClr val="000000"/>
-              </a:solidFill>
-              <a:uFill>
-                <a:solidFill>
-                  <a:srgbClr val="ffffff"/>
-                </a:solidFill>
-              </a:uFill>
-              <a:latin typeface="Arial"/>
-            </a:endParaRPr>
-          </a:p>
-        </p:txBody>
-      </p:sp>
-      <p:sp>
-        <p:nvSpPr>
-          <p:cNvPr id="2" name="PlaceHolder 2"/>
+              <a:latin typeface="Arial"/>
+            </a:endParaRPr>
+          </a:p>
+        </p:txBody>
+      </p:sp>
+      <p:sp>
+        <p:nvSpPr>
+          <p:cNvPr id="3" name="PlaceHolder 2"/>
           <p:cNvSpPr>
             <a:spLocks noGrp="1"/>
           </p:cNvSpPr>
@@ -745,14 +617,6 @@
           <a:p>
             <a:pPr algn="ctr"/>
             <a:endParaRPr b="0" lang="en-US" sz="3200" spc="-1" strike="noStrike">
-              <a:solidFill>
-                <a:srgbClr val="000000"/>
-              </a:solidFill>
-              <a:uFill>
-                <a:solidFill>
-                  <a:srgbClr val="ffffff"/>
-                </a:solidFill>
-              </a:uFill>
               <a:latin typeface="Arial"/>
             </a:endParaRPr>
           </a:p>
@@ -782,7 +646,7 @@
       </p:grpSpPr>
       <p:sp>
         <p:nvSpPr>
-          <p:cNvPr id="3" name="PlaceHolder 1"/>
+          <p:cNvPr id="4" name="PlaceHolder 1"/>
           <p:cNvSpPr>
             <a:spLocks noGrp="1"/>
           </p:cNvSpPr>
@@ -792,8 +656,8 @@
         </p:nvSpPr>
         <p:spPr>
           <a:xfrm>
-            <a:off x="1645920" y="874440"/>
-            <a:ext cx="29625120" cy="3663360"/>
+            <a:off x="1645920" y="875520"/>
+            <a:ext cx="29626200" cy="3664440"/>
           </a:xfrm>
           <a:prstGeom prst="rect">
             <a:avLst/>
@@ -804,22 +668,14 @@
           <a:p>
             <a:pPr algn="ctr"/>
             <a:endParaRPr b="0" lang="en-US" sz="4400" spc="-1" strike="noStrike">
-              <a:solidFill>
-                <a:srgbClr val="000000"/>
-              </a:solidFill>
-              <a:uFill>
-                <a:solidFill>
-                  <a:srgbClr val="ffffff"/>
-                </a:solidFill>
-              </a:uFill>
-              <a:latin typeface="Arial"/>
-            </a:endParaRPr>
-          </a:p>
-        </p:txBody>
-      </p:sp>
-      <p:sp>
-        <p:nvSpPr>
-          <p:cNvPr id="4" name="PlaceHolder 2"/>
+              <a:latin typeface="Arial"/>
+            </a:endParaRPr>
+          </a:p>
+        </p:txBody>
+      </p:sp>
+      <p:sp>
+        <p:nvSpPr>
+          <p:cNvPr id="5" name="PlaceHolder 2"/>
           <p:cNvSpPr>
             <a:spLocks noGrp="1"/>
           </p:cNvSpPr>
@@ -842,14 +698,6 @@
           </a:bodyPr>
           <a:p>
             <a:endParaRPr b="0" lang="en-US" sz="3200" spc="-1" strike="noStrike">
-              <a:solidFill>
-                <a:srgbClr val="000000"/>
-              </a:solidFill>
-              <a:uFill>
-                <a:solidFill>
-                  <a:srgbClr val="ffffff"/>
-                </a:solidFill>
-              </a:uFill>
               <a:latin typeface="Arial"/>
             </a:endParaRPr>
           </a:p>
@@ -879,7 +727,7 @@
       </p:grpSpPr>
       <p:sp>
         <p:nvSpPr>
-          <p:cNvPr id="5" name="PlaceHolder 1"/>
+          <p:cNvPr id="6" name="PlaceHolder 1"/>
           <p:cNvSpPr>
             <a:spLocks noGrp="1"/>
           </p:cNvSpPr>
@@ -889,8 +737,8 @@
         </p:nvSpPr>
         <p:spPr>
           <a:xfrm>
-            <a:off x="1645920" y="874440"/>
-            <a:ext cx="29625120" cy="3663360"/>
+            <a:off x="1645920" y="875520"/>
+            <a:ext cx="29626200" cy="3664440"/>
           </a:xfrm>
           <a:prstGeom prst="rect">
             <a:avLst/>
@@ -901,22 +749,14 @@
           <a:p>
             <a:pPr algn="ctr"/>
             <a:endParaRPr b="0" lang="en-US" sz="4400" spc="-1" strike="noStrike">
-              <a:solidFill>
-                <a:srgbClr val="000000"/>
-              </a:solidFill>
-              <a:uFill>
-                <a:solidFill>
-                  <a:srgbClr val="ffffff"/>
-                </a:solidFill>
-              </a:uFill>
-              <a:latin typeface="Arial"/>
-            </a:endParaRPr>
-          </a:p>
-        </p:txBody>
-      </p:sp>
-      <p:sp>
-        <p:nvSpPr>
-          <p:cNvPr id="6" name="PlaceHolder 2"/>
+              <a:latin typeface="Arial"/>
+            </a:endParaRPr>
+          </a:p>
+        </p:txBody>
+      </p:sp>
+      <p:sp>
+        <p:nvSpPr>
+          <p:cNvPr id="7" name="PlaceHolder 2"/>
           <p:cNvSpPr>
             <a:spLocks noGrp="1"/>
           </p:cNvSpPr>
@@ -939,22 +779,14 @@
           </a:bodyPr>
           <a:p>
             <a:endParaRPr b="0" lang="en-US" sz="3200" spc="-1" strike="noStrike">
-              <a:solidFill>
-                <a:srgbClr val="000000"/>
-              </a:solidFill>
-              <a:uFill>
-                <a:solidFill>
-                  <a:srgbClr val="ffffff"/>
-                </a:solidFill>
-              </a:uFill>
-              <a:latin typeface="Arial"/>
-            </a:endParaRPr>
-          </a:p>
-        </p:txBody>
-      </p:sp>
-      <p:sp>
-        <p:nvSpPr>
-          <p:cNvPr id="7" name="PlaceHolder 3"/>
+              <a:latin typeface="Arial"/>
+            </a:endParaRPr>
+          </a:p>
+        </p:txBody>
+      </p:sp>
+      <p:sp>
+        <p:nvSpPr>
+          <p:cNvPr id="8" name="PlaceHolder 3"/>
           <p:cNvSpPr>
             <a:spLocks noGrp="1"/>
           </p:cNvSpPr>
@@ -977,14 +809,6 @@
           </a:bodyPr>
           <a:p>
             <a:endParaRPr b="0" lang="en-US" sz="3200" spc="-1" strike="noStrike">
-              <a:solidFill>
-                <a:srgbClr val="000000"/>
-              </a:solidFill>
-              <a:uFill>
-                <a:solidFill>
-                  <a:srgbClr val="ffffff"/>
-                </a:solidFill>
-              </a:uFill>
               <a:latin typeface="Arial"/>
             </a:endParaRPr>
           </a:p>
@@ -1014,7 +838,7 @@
       </p:grpSpPr>
       <p:sp>
         <p:nvSpPr>
-          <p:cNvPr id="8" name="PlaceHolder 1"/>
+          <p:cNvPr id="9" name="PlaceHolder 1"/>
           <p:cNvSpPr>
             <a:spLocks noGrp="1"/>
           </p:cNvSpPr>
@@ -1024,8 +848,8 @@
         </p:nvSpPr>
         <p:spPr>
           <a:xfrm>
-            <a:off x="1645920" y="874440"/>
-            <a:ext cx="29625120" cy="3663360"/>
+            <a:off x="1645920" y="875520"/>
+            <a:ext cx="29626200" cy="3664440"/>
           </a:xfrm>
           <a:prstGeom prst="rect">
             <a:avLst/>
@@ -1036,14 +860,6 @@
           <a:p>
             <a:pPr algn="ctr"/>
             <a:endParaRPr b="0" lang="en-US" sz="4400" spc="-1" strike="noStrike">
-              <a:solidFill>
-                <a:srgbClr val="000000"/>
-              </a:solidFill>
-              <a:uFill>
-                <a:solidFill>
-                  <a:srgbClr val="ffffff"/>
-                </a:solidFill>
-              </a:uFill>
               <a:latin typeface="Arial"/>
             </a:endParaRPr>
           </a:p>
@@ -1073,7 +889,7 @@
       </p:grpSpPr>
       <p:sp>
         <p:nvSpPr>
-          <p:cNvPr id="9" name="PlaceHolder 1"/>
+          <p:cNvPr id="10" name="PlaceHolder 1"/>
           <p:cNvSpPr>
             <a:spLocks noGrp="1"/>
           </p:cNvSpPr>
@@ -1083,8 +899,8 @@
         </p:nvSpPr>
         <p:spPr>
           <a:xfrm>
-            <a:off x="1645920" y="874440"/>
-            <a:ext cx="29625120" cy="16982280"/>
+            <a:off x="1645920" y="875520"/>
+            <a:ext cx="29626200" cy="16987320"/>
           </a:xfrm>
           <a:prstGeom prst="rect">
             <a:avLst/>
@@ -1095,14 +911,6 @@
           <a:p>
             <a:pPr algn="ctr"/>
             <a:endParaRPr b="0" lang="en-US" sz="3200" spc="-1" strike="noStrike">
-              <a:solidFill>
-                <a:srgbClr val="000000"/>
-              </a:solidFill>
-              <a:uFill>
-                <a:solidFill>
-                  <a:srgbClr val="ffffff"/>
-                </a:solidFill>
-              </a:uFill>
               <a:latin typeface="Arial"/>
             </a:endParaRPr>
           </a:p>
@@ -1132,7 +940,7 @@
       </p:grpSpPr>
       <p:sp>
         <p:nvSpPr>
-          <p:cNvPr id="10" name="PlaceHolder 1"/>
+          <p:cNvPr id="11" name="PlaceHolder 1"/>
           <p:cNvSpPr>
             <a:spLocks noGrp="1"/>
           </p:cNvSpPr>
@@ -1142,8 +950,8 @@
         </p:nvSpPr>
         <p:spPr>
           <a:xfrm>
-            <a:off x="1645920" y="874440"/>
-            <a:ext cx="29625120" cy="3663360"/>
+            <a:off x="1645920" y="875520"/>
+            <a:ext cx="29626200" cy="3664440"/>
           </a:xfrm>
           <a:prstGeom prst="rect">
             <a:avLst/>
@@ -1154,22 +962,14 @@
           <a:p>
             <a:pPr algn="ctr"/>
             <a:endParaRPr b="0" lang="en-US" sz="4400" spc="-1" strike="noStrike">
-              <a:solidFill>
-                <a:srgbClr val="000000"/>
-              </a:solidFill>
-              <a:uFill>
-                <a:solidFill>
-                  <a:srgbClr val="ffffff"/>
-                </a:solidFill>
-              </a:uFill>
-              <a:latin typeface="Arial"/>
-            </a:endParaRPr>
-          </a:p>
-        </p:txBody>
-      </p:sp>
-      <p:sp>
-        <p:nvSpPr>
-          <p:cNvPr id="11" name="PlaceHolder 2"/>
+              <a:latin typeface="Arial"/>
+            </a:endParaRPr>
+          </a:p>
+        </p:txBody>
+      </p:sp>
+      <p:sp>
+        <p:nvSpPr>
+          <p:cNvPr id="12" name="PlaceHolder 2"/>
           <p:cNvSpPr>
             <a:spLocks noGrp="1"/>
           </p:cNvSpPr>
@@ -1192,22 +992,14 @@
           </a:bodyPr>
           <a:p>
             <a:endParaRPr b="0" lang="en-US" sz="3200" spc="-1" strike="noStrike">
-              <a:solidFill>
-                <a:srgbClr val="000000"/>
-              </a:solidFill>
-              <a:uFill>
-                <a:solidFill>
-                  <a:srgbClr val="ffffff"/>
-                </a:solidFill>
-              </a:uFill>
-              <a:latin typeface="Arial"/>
-            </a:endParaRPr>
-          </a:p>
-        </p:txBody>
-      </p:sp>
-      <p:sp>
-        <p:nvSpPr>
-          <p:cNvPr id="12" name="PlaceHolder 3"/>
+              <a:latin typeface="Arial"/>
+            </a:endParaRPr>
+          </a:p>
+        </p:txBody>
+      </p:sp>
+      <p:sp>
+        <p:nvSpPr>
+          <p:cNvPr id="13" name="PlaceHolder 3"/>
           <p:cNvSpPr>
             <a:spLocks noGrp="1"/>
           </p:cNvSpPr>
@@ -1230,22 +1022,14 @@
           </a:bodyPr>
           <a:p>
             <a:endParaRPr b="0" lang="en-US" sz="3200" spc="-1" strike="noStrike">
-              <a:solidFill>
-                <a:srgbClr val="000000"/>
-              </a:solidFill>
-              <a:uFill>
-                <a:solidFill>
-                  <a:srgbClr val="ffffff"/>
-                </a:solidFill>
-              </a:uFill>
-              <a:latin typeface="Arial"/>
-            </a:endParaRPr>
-          </a:p>
-        </p:txBody>
-      </p:sp>
-      <p:sp>
-        <p:nvSpPr>
-          <p:cNvPr id="13" name="PlaceHolder 4"/>
+              <a:latin typeface="Arial"/>
+            </a:endParaRPr>
+          </a:p>
+        </p:txBody>
+      </p:sp>
+      <p:sp>
+        <p:nvSpPr>
+          <p:cNvPr id="14" name="PlaceHolder 4"/>
           <p:cNvSpPr>
             <a:spLocks noGrp="1"/>
           </p:cNvSpPr>
@@ -1268,14 +1052,6 @@
           </a:bodyPr>
           <a:p>
             <a:endParaRPr b="0" lang="en-US" sz="3200" spc="-1" strike="noStrike">
-              <a:solidFill>
-                <a:srgbClr val="000000"/>
-              </a:solidFill>
-              <a:uFill>
-                <a:solidFill>
-                  <a:srgbClr val="ffffff"/>
-                </a:solidFill>
-              </a:uFill>
               <a:latin typeface="Arial"/>
             </a:endParaRPr>
           </a:p>
@@ -1305,7 +1081,7 @@
       </p:grpSpPr>
       <p:sp>
         <p:nvSpPr>
-          <p:cNvPr id="14" name="PlaceHolder 1"/>
+          <p:cNvPr id="15" name="PlaceHolder 1"/>
           <p:cNvSpPr>
             <a:spLocks noGrp="1"/>
           </p:cNvSpPr>
@@ -1315,8 +1091,8 @@
         </p:nvSpPr>
         <p:spPr>
           <a:xfrm>
-            <a:off x="1645920" y="874440"/>
-            <a:ext cx="29625120" cy="3663360"/>
+            <a:off x="1645920" y="875520"/>
+            <a:ext cx="29626200" cy="3664440"/>
           </a:xfrm>
           <a:prstGeom prst="rect">
             <a:avLst/>
@@ -1327,22 +1103,14 @@
           <a:p>
             <a:pPr algn="ctr"/>
             <a:endParaRPr b="0" lang="en-US" sz="4400" spc="-1" strike="noStrike">
-              <a:solidFill>
-                <a:srgbClr val="000000"/>
-              </a:solidFill>
-              <a:uFill>
-                <a:solidFill>
-                  <a:srgbClr val="ffffff"/>
-                </a:solidFill>
-              </a:uFill>
-              <a:latin typeface="Arial"/>
-            </a:endParaRPr>
-          </a:p>
-        </p:txBody>
-      </p:sp>
-      <p:sp>
-        <p:nvSpPr>
-          <p:cNvPr id="15" name="PlaceHolder 2"/>
+              <a:latin typeface="Arial"/>
+            </a:endParaRPr>
+          </a:p>
+        </p:txBody>
+      </p:sp>
+      <p:sp>
+        <p:nvSpPr>
+          <p:cNvPr id="16" name="PlaceHolder 2"/>
           <p:cNvSpPr>
             <a:spLocks noGrp="1"/>
           </p:cNvSpPr>
@@ -1365,22 +1133,14 @@
           </a:bodyPr>
           <a:p>
             <a:endParaRPr b="0" lang="en-US" sz="3200" spc="-1" strike="noStrike">
-              <a:solidFill>
-                <a:srgbClr val="000000"/>
-              </a:solidFill>
-              <a:uFill>
-                <a:solidFill>
-                  <a:srgbClr val="ffffff"/>
-                </a:solidFill>
-              </a:uFill>
-              <a:latin typeface="Arial"/>
-            </a:endParaRPr>
-          </a:p>
-        </p:txBody>
-      </p:sp>
-      <p:sp>
-        <p:nvSpPr>
-          <p:cNvPr id="16" name="PlaceHolder 3"/>
+              <a:latin typeface="Arial"/>
+            </a:endParaRPr>
+          </a:p>
+        </p:txBody>
+      </p:sp>
+      <p:sp>
+        <p:nvSpPr>
+          <p:cNvPr id="17" name="PlaceHolder 3"/>
           <p:cNvSpPr>
             <a:spLocks noGrp="1"/>
           </p:cNvSpPr>
@@ -1403,22 +1163,14 @@
           </a:bodyPr>
           <a:p>
             <a:endParaRPr b="0" lang="en-US" sz="3200" spc="-1" strike="noStrike">
-              <a:solidFill>
-                <a:srgbClr val="000000"/>
-              </a:solidFill>
-              <a:uFill>
-                <a:solidFill>
-                  <a:srgbClr val="ffffff"/>
-                </a:solidFill>
-              </a:uFill>
-              <a:latin typeface="Arial"/>
-            </a:endParaRPr>
-          </a:p>
-        </p:txBody>
-      </p:sp>
-      <p:sp>
-        <p:nvSpPr>
-          <p:cNvPr id="17" name="PlaceHolder 4"/>
+              <a:latin typeface="Arial"/>
+            </a:endParaRPr>
+          </a:p>
+        </p:txBody>
+      </p:sp>
+      <p:sp>
+        <p:nvSpPr>
+          <p:cNvPr id="18" name="PlaceHolder 4"/>
           <p:cNvSpPr>
             <a:spLocks noGrp="1"/>
           </p:cNvSpPr>
@@ -1441,14 +1193,6 @@
           </a:bodyPr>
           <a:p>
             <a:endParaRPr b="0" lang="en-US" sz="3200" spc="-1" strike="noStrike">
-              <a:solidFill>
-                <a:srgbClr val="000000"/>
-              </a:solidFill>
-              <a:uFill>
-                <a:solidFill>
-                  <a:srgbClr val="ffffff"/>
-                </a:solidFill>
-              </a:uFill>
               <a:latin typeface="Arial"/>
             </a:endParaRPr>
           </a:p>
@@ -1478,7 +1222,7 @@
       </p:grpSpPr>
       <p:sp>
         <p:nvSpPr>
-          <p:cNvPr id="18" name="PlaceHolder 1"/>
+          <p:cNvPr id="19" name="PlaceHolder 1"/>
           <p:cNvSpPr>
             <a:spLocks noGrp="1"/>
           </p:cNvSpPr>
@@ -1488,8 +1232,8 @@
         </p:nvSpPr>
         <p:spPr>
           <a:xfrm>
-            <a:off x="1645920" y="874440"/>
-            <a:ext cx="29625120" cy="3663360"/>
+            <a:off x="1645920" y="875520"/>
+            <a:ext cx="29626200" cy="3664440"/>
           </a:xfrm>
           <a:prstGeom prst="rect">
             <a:avLst/>
@@ -1500,22 +1244,14 @@
           <a:p>
             <a:pPr algn="ctr"/>
             <a:endParaRPr b="0" lang="en-US" sz="4400" spc="-1" strike="noStrike">
-              <a:solidFill>
-                <a:srgbClr val="000000"/>
-              </a:solidFill>
-              <a:uFill>
-                <a:solidFill>
-                  <a:srgbClr val="ffffff"/>
-                </a:solidFill>
-              </a:uFill>
-              <a:latin typeface="Arial"/>
-            </a:endParaRPr>
-          </a:p>
-        </p:txBody>
-      </p:sp>
-      <p:sp>
-        <p:nvSpPr>
-          <p:cNvPr id="19" name="PlaceHolder 2"/>
+              <a:latin typeface="Arial"/>
+            </a:endParaRPr>
+          </a:p>
+        </p:txBody>
+      </p:sp>
+      <p:sp>
+        <p:nvSpPr>
+          <p:cNvPr id="20" name="PlaceHolder 2"/>
           <p:cNvSpPr>
             <a:spLocks noGrp="1"/>
           </p:cNvSpPr>
@@ -1538,22 +1274,14 @@
           </a:bodyPr>
           <a:p>
             <a:endParaRPr b="0" lang="en-US" sz="3200" spc="-1" strike="noStrike">
-              <a:solidFill>
-                <a:srgbClr val="000000"/>
-              </a:solidFill>
-              <a:uFill>
-                <a:solidFill>
-                  <a:srgbClr val="ffffff"/>
-                </a:solidFill>
-              </a:uFill>
-              <a:latin typeface="Arial"/>
-            </a:endParaRPr>
-          </a:p>
-        </p:txBody>
-      </p:sp>
-      <p:sp>
-        <p:nvSpPr>
-          <p:cNvPr id="20" name="PlaceHolder 3"/>
+              <a:latin typeface="Arial"/>
+            </a:endParaRPr>
+          </a:p>
+        </p:txBody>
+      </p:sp>
+      <p:sp>
+        <p:nvSpPr>
+          <p:cNvPr id="21" name="PlaceHolder 3"/>
           <p:cNvSpPr>
             <a:spLocks noGrp="1"/>
           </p:cNvSpPr>
@@ -1576,22 +1304,14 @@
           </a:bodyPr>
           <a:p>
             <a:endParaRPr b="0" lang="en-US" sz="3200" spc="-1" strike="noStrike">
-              <a:solidFill>
-                <a:srgbClr val="000000"/>
-              </a:solidFill>
-              <a:uFill>
-                <a:solidFill>
-                  <a:srgbClr val="ffffff"/>
-                </a:solidFill>
-              </a:uFill>
-              <a:latin typeface="Arial"/>
-            </a:endParaRPr>
-          </a:p>
-        </p:txBody>
-      </p:sp>
-      <p:sp>
-        <p:nvSpPr>
-          <p:cNvPr id="21" name="PlaceHolder 4"/>
+              <a:latin typeface="Arial"/>
+            </a:endParaRPr>
+          </a:p>
+        </p:txBody>
+      </p:sp>
+      <p:sp>
+        <p:nvSpPr>
+          <p:cNvPr id="22" name="PlaceHolder 4"/>
           <p:cNvSpPr>
             <a:spLocks noGrp="1"/>
           </p:cNvSpPr>
@@ -1614,14 +1334,6 @@
           </a:bodyPr>
           <a:p>
             <a:endParaRPr b="0" lang="en-US" sz="3200" spc="-1" strike="noStrike">
-              <a:solidFill>
-                <a:srgbClr val="000000"/>
-              </a:solidFill>
-              <a:uFill>
-                <a:solidFill>
-                  <a:srgbClr val="ffffff"/>
-                </a:solidFill>
-              </a:uFill>
               <a:latin typeface="Arial"/>
             </a:endParaRPr>
           </a:p>
@@ -1661,8 +1373,8 @@
         </p:nvSpPr>
         <p:spPr>
           <a:xfrm>
-            <a:off x="1645920" y="874440"/>
-            <a:ext cx="29625120" cy="3663360"/>
+            <a:off x="1645920" y="875520"/>
+            <a:ext cx="29626200" cy="3664440"/>
           </a:xfrm>
           <a:prstGeom prst="rect">
             <a:avLst/>
@@ -1671,29 +1383,193 @@
         <p:txBody>
           <a:bodyPr lIns="0" rIns="0" tIns="0" bIns="0" anchor="ctr"/>
           <a:p>
-            <a:r>
-              <a:rPr b="0" lang="en-US" sz="1800" spc="-1" strike="noStrike">
-                <a:solidFill>
-                  <a:srgbClr val="000000"/>
-                </a:solidFill>
-                <a:uFill>
-                  <a:solidFill>
-                    <a:srgbClr val="ffffff"/>
-                  </a:solidFill>
-                </a:uFill>
+            <a:pPr algn="ctr"/>
+            <a:r>
+              <a:rPr b="0" lang="en-US" sz="4400" spc="-1" strike="noStrike">
                 <a:latin typeface="Arial"/>
               </a:rPr>
               <a:t>Click to edit the title text format</a:t>
             </a:r>
-            <a:endParaRPr b="0" lang="en-US" sz="1800" spc="-1" strike="noStrike">
-              <a:solidFill>
+            <a:endParaRPr b="0" lang="en-US" sz="4400" spc="-1" strike="noStrike">
+              <a:latin typeface="Arial"/>
+            </a:endParaRPr>
+          </a:p>
+        </p:txBody>
+      </p:sp>
+      <p:sp>
+        <p:nvSpPr>
+          <p:cNvPr id="1" name="PlaceHolder 2"/>
+          <p:cNvSpPr>
+            <a:spLocks noGrp="1"/>
+          </p:cNvSpPr>
+          <p:nvPr>
+            <p:ph type="body"/>
+          </p:nvPr>
+        </p:nvSpPr>
+        <p:spPr>
+          <a:xfrm>
+            <a:off x="1645920" y="5135040"/>
+            <a:ext cx="29626200" cy="12727800"/>
+          </a:xfrm>
+          <a:prstGeom prst="rect">
+            <a:avLst/>
+          </a:prstGeom>
+        </p:spPr>
+        <p:txBody>
+          <a:bodyPr lIns="0" rIns="0" tIns="0" bIns="0">
+            <a:normAutofit/>
+          </a:bodyPr>
+          <a:p>
+            <a:pPr marL="432000" indent="-324000">
+              <a:spcBef>
+                <a:spcPts val="1417"/>
+              </a:spcBef>
+              <a:buClr>
                 <a:srgbClr val="000000"/>
-              </a:solidFill>
-              <a:uFill>
-                <a:solidFill>
-                  <a:srgbClr val="ffffff"/>
-                </a:solidFill>
-              </a:uFill>
+              </a:buClr>
+              <a:buSzPct val="45000"/>
+              <a:buFont typeface="Wingdings" charset="2"/>
+              <a:buChar char=""/>
+            </a:pPr>
+            <a:r>
+              <a:rPr b="0" lang="en-US" sz="3200" spc="-1" strike="noStrike">
+                <a:latin typeface="Arial"/>
+              </a:rPr>
+              <a:t>Click to edit the outline text format</a:t>
+            </a:r>
+            <a:endParaRPr b="0" lang="en-US" sz="3200" spc="-1" strike="noStrike">
+              <a:latin typeface="Arial"/>
+            </a:endParaRPr>
+          </a:p>
+          <a:p>
+            <a:pPr lvl="1" marL="864000" indent="-324000">
+              <a:spcBef>
+                <a:spcPts val="1134"/>
+              </a:spcBef>
+              <a:buClr>
+                <a:srgbClr val="000000"/>
+              </a:buClr>
+              <a:buSzPct val="75000"/>
+              <a:buFont typeface="Symbol" charset="2"/>
+              <a:buChar char=""/>
+            </a:pPr>
+            <a:r>
+              <a:rPr b="0" lang="en-US" sz="2800" spc="-1" strike="noStrike">
+                <a:latin typeface="Arial"/>
+              </a:rPr>
+              <a:t>Second Outline Level</a:t>
+            </a:r>
+            <a:endParaRPr b="0" lang="en-US" sz="2800" spc="-1" strike="noStrike">
+              <a:latin typeface="Arial"/>
+            </a:endParaRPr>
+          </a:p>
+          <a:p>
+            <a:pPr lvl="2" marL="1296000" indent="-288000">
+              <a:spcBef>
+                <a:spcPts val="850"/>
+              </a:spcBef>
+              <a:buClr>
+                <a:srgbClr val="000000"/>
+              </a:buClr>
+              <a:buSzPct val="45000"/>
+              <a:buFont typeface="Wingdings" charset="2"/>
+              <a:buChar char=""/>
+            </a:pPr>
+            <a:r>
+              <a:rPr b="0" lang="en-US" sz="2400" spc="-1" strike="noStrike">
+                <a:latin typeface="Arial"/>
+              </a:rPr>
+              <a:t>Third Outline Level</a:t>
+            </a:r>
+            <a:endParaRPr b="0" lang="en-US" sz="2400" spc="-1" strike="noStrike">
+              <a:latin typeface="Arial"/>
+            </a:endParaRPr>
+          </a:p>
+          <a:p>
+            <a:pPr lvl="3" marL="1728000" indent="-216000">
+              <a:spcBef>
+                <a:spcPts val="567"/>
+              </a:spcBef>
+              <a:buClr>
+                <a:srgbClr val="000000"/>
+              </a:buClr>
+              <a:buSzPct val="75000"/>
+              <a:buFont typeface="Symbol" charset="2"/>
+              <a:buChar char=""/>
+            </a:pPr>
+            <a:r>
+              <a:rPr b="0" lang="en-US" sz="2000" spc="-1" strike="noStrike">
+                <a:latin typeface="Arial"/>
+              </a:rPr>
+              <a:t>Fourth Outline Level</a:t>
+            </a:r>
+            <a:endParaRPr b="0" lang="en-US" sz="2000" spc="-1" strike="noStrike">
+              <a:latin typeface="Arial"/>
+            </a:endParaRPr>
+          </a:p>
+          <a:p>
+            <a:pPr lvl="4" marL="2160000" indent="-216000">
+              <a:spcBef>
+                <a:spcPts val="283"/>
+              </a:spcBef>
+              <a:buClr>
+                <a:srgbClr val="000000"/>
+              </a:buClr>
+              <a:buSzPct val="45000"/>
+              <a:buFont typeface="Wingdings" charset="2"/>
+              <a:buChar char=""/>
+            </a:pPr>
+            <a:r>
+              <a:rPr b="0" lang="en-US" sz="2000" spc="-1" strike="noStrike">
+                <a:latin typeface="Arial"/>
+              </a:rPr>
+              <a:t>Fifth Outline Level</a:t>
+            </a:r>
+            <a:endParaRPr b="0" lang="en-US" sz="2000" spc="-1" strike="noStrike">
+              <a:latin typeface="Arial"/>
+            </a:endParaRPr>
+          </a:p>
+          <a:p>
+            <a:pPr lvl="5" marL="2592000" indent="-216000">
+              <a:spcBef>
+                <a:spcPts val="283"/>
+              </a:spcBef>
+              <a:buClr>
+                <a:srgbClr val="000000"/>
+              </a:buClr>
+              <a:buSzPct val="45000"/>
+              <a:buFont typeface="Wingdings" charset="2"/>
+              <a:buChar char=""/>
+            </a:pPr>
+            <a:r>
+              <a:rPr b="0" lang="en-US" sz="2000" spc="-1" strike="noStrike">
+                <a:latin typeface="Arial"/>
+              </a:rPr>
+              <a:t>Sixth Outline Level</a:t>
+            </a:r>
+            <a:endParaRPr b="0" lang="en-US" sz="2000" spc="-1" strike="noStrike">
+              <a:latin typeface="Arial"/>
+            </a:endParaRPr>
+          </a:p>
+          <a:p>
+            <a:pPr lvl="6" marL="3024000" indent="-216000">
+              <a:spcBef>
+                <a:spcPts val="283"/>
+              </a:spcBef>
+              <a:buClr>
+                <a:srgbClr val="000000"/>
+              </a:buClr>
+              <a:buSzPct val="45000"/>
+              <a:buFont typeface="Wingdings" charset="2"/>
+              <a:buChar char=""/>
+            </a:pPr>
+            <a:r>
+              <a:rPr b="0" lang="en-US" sz="2000" spc="-1" strike="noStrike">
+                <a:latin typeface="Arial"/>
+              </a:rPr>
+              <a:t>Seventh Outline Level</a:t>
+            </a:r>
+            <a:endParaRPr b="0" lang="en-US" sz="2000" spc="-1" strike="noStrike">
               <a:latin typeface="Arial"/>
             </a:endParaRPr>
           </a:p>
@@ -1738,70 +1614,14 @@
       </p:grpSpPr>
       <p:sp>
         <p:nvSpPr>
-          <p:cNvPr id="37" name="CustomShape 1"/>
+          <p:cNvPr id="38" name="CustomShape 1"/>
           <p:cNvSpPr/>
           <p:nvPr/>
         </p:nvSpPr>
         <p:spPr>
-          <a:xfrm>
-            <a:off x="1737360" y="1061640"/>
-            <a:ext cx="11155320" cy="1498320"/>
-          </a:xfrm>
-          <a:prstGeom prst="rect">
-            <a:avLst/>
-          </a:prstGeom>
-          <a:noFill/>
-          <a:ln>
-            <a:noFill/>
-          </a:ln>
-        </p:spPr>
-        <p:style>
-          <a:lnRef idx="0"/>
-          <a:fillRef idx="0"/>
-          <a:effectRef idx="0"/>
-          <a:fontRef idx="minor"/>
-        </p:style>
-        <p:txBody>
-          <a:bodyPr lIns="90000" rIns="90000" tIns="45000" bIns="45000"/>
-          <a:p>
-            <a:r>
-              <a:rPr b="1" lang="en-US" sz="7200" spc="-1" strike="noStrike">
-                <a:solidFill>
-                  <a:srgbClr val="000000"/>
-                </a:solidFill>
-                <a:uFill>
-                  <a:solidFill>
-                    <a:srgbClr val="ffffff"/>
-                  </a:solidFill>
-                </a:uFill>
-                <a:latin typeface="Courier New"/>
-              </a:rPr>
-              <a:t>SCRIPT Protocol</a:t>
-            </a:r>
-            <a:endParaRPr b="0" lang="en-US" sz="7200" spc="-1" strike="noStrike">
-              <a:solidFill>
-                <a:srgbClr val="000000"/>
-              </a:solidFill>
-              <a:uFill>
-                <a:solidFill>
-                  <a:srgbClr val="ffffff"/>
-                </a:solidFill>
-              </a:uFill>
-              <a:latin typeface="Arial"/>
-            </a:endParaRPr>
-          </a:p>
-        </p:txBody>
-      </p:sp>
-      <p:sp>
-        <p:nvSpPr>
-          <p:cNvPr id="38" name="CustomShape 2"/>
-          <p:cNvSpPr/>
-          <p:nvPr/>
-        </p:nvSpPr>
-        <p:spPr>
           <a:xfrm rot="21578400">
-            <a:off x="844560" y="2702880"/>
-            <a:ext cx="12618360" cy="7131960"/>
+            <a:off x="285120" y="12618720"/>
+            <a:ext cx="13625280" cy="8778240"/>
           </a:xfrm>
           <a:prstGeom prst="rect">
             <a:avLst/>
@@ -1824,190 +1644,14 @@
       </p:sp>
       <p:sp>
         <p:nvSpPr>
-          <p:cNvPr id="39" name="CustomShape 3"/>
+          <p:cNvPr id="39" name="CustomShape 2"/>
           <p:cNvSpPr/>
           <p:nvPr/>
         </p:nvSpPr>
         <p:spPr>
-          <a:xfrm>
-            <a:off x="1463040" y="3749040"/>
-            <a:ext cx="11703960" cy="5257800"/>
-          </a:xfrm>
-          <a:prstGeom prst="rect">
-            <a:avLst/>
-          </a:prstGeom>
-          <a:noFill/>
-          <a:ln>
-            <a:noFill/>
-          </a:ln>
-        </p:spPr>
-        <p:style>
-          <a:lnRef idx="0"/>
-          <a:fillRef idx="0"/>
-          <a:effectRef idx="0"/>
-          <a:fontRef idx="minor"/>
-        </p:style>
-        <p:txBody>
-          <a:bodyPr lIns="90000" rIns="90000" tIns="45000" bIns="45000"/>
-          <a:p>
-            <a:r>
-              <a:rPr b="1" lang="en-US" sz="2400" spc="-1" strike="noStrike">
-                <a:solidFill>
-                  <a:srgbClr val="000000"/>
-                </a:solidFill>
-                <a:uFill>
-                  <a:solidFill>
-                    <a:srgbClr val="ffffff"/>
-                  </a:solidFill>
-                </a:uFill>
-                <a:latin typeface="Courier New"/>
-              </a:rPr>
-              <a:t>Introduction:</a:t>
-            </a:r>
-            <a:endParaRPr b="0" lang="en-US" sz="2400" spc="-1" strike="noStrike">
-              <a:solidFill>
-                <a:srgbClr val="000000"/>
-              </a:solidFill>
-              <a:uFill>
-                <a:solidFill>
-                  <a:srgbClr val="ffffff"/>
-                </a:solidFill>
-              </a:uFill>
-              <a:latin typeface="Arial"/>
-            </a:endParaRPr>
-          </a:p>
-          <a:p>
-            <a:r>
-              <a:rPr b="0" lang="en-US" sz="2400" spc="-1" strike="noStrike">
-                <a:solidFill>
-                  <a:srgbClr val="000000"/>
-                </a:solidFill>
-                <a:uFill>
-                  <a:solidFill>
-                    <a:srgbClr val="ffffff"/>
-                  </a:solidFill>
-                </a:uFill>
-                <a:latin typeface="Courier New"/>
-              </a:rPr>
-              <a:t>SCRIPT is an acronym for Searle’s Chinese Room Interprocess and Telecommunications Protocol. The protocol was developed using using concepts from biomimicry allied to Artificial Intelligence philosophy and retro computer history. The SCRIPT Protocol is based on ASCII C0 Control Codes and tries to mimic the flow of data as close as possible.</a:t>
-            </a:r>
-            <a:endParaRPr b="0" lang="en-US" sz="2400" spc="-1" strike="noStrike">
-              <a:solidFill>
-                <a:srgbClr val="000000"/>
-              </a:solidFill>
-              <a:uFill>
-                <a:solidFill>
-                  <a:srgbClr val="ffffff"/>
-                </a:solidFill>
-              </a:uFill>
-              <a:latin typeface="Arial"/>
-            </a:endParaRPr>
-          </a:p>
-          <a:p>
-            <a:endParaRPr b="0" lang="en-US" sz="2400" spc="-1" strike="noStrike">
-              <a:solidFill>
-                <a:srgbClr val="000000"/>
-              </a:solidFill>
-              <a:uFill>
-                <a:solidFill>
-                  <a:srgbClr val="ffffff"/>
-                </a:solidFill>
-              </a:uFill>
-              <a:latin typeface="Arial"/>
-            </a:endParaRPr>
-          </a:p>
-          <a:p>
-            <a:r>
-              <a:rPr b="0" lang="en-US" sz="2400" spc="-1" strike="noStrike">
-                <a:solidFill>
-                  <a:srgbClr val="000000"/>
-                </a:solidFill>
-                <a:uFill>
-                  <a:solidFill>
-                    <a:srgbClr val="ffffff"/>
-                  </a:solidFill>
-                </a:uFill>
-                <a:latin typeface="Courier New"/>
-              </a:rPr>
-              <a:t>The Chinese Room Thought Experiment</a:t>
-            </a:r>
-            <a:endParaRPr b="0" lang="en-US" sz="2400" spc="-1" strike="noStrike">
-              <a:solidFill>
-                <a:srgbClr val="000000"/>
-              </a:solidFill>
-              <a:uFill>
-                <a:solidFill>
-                  <a:srgbClr val="ffffff"/>
-                </a:solidFill>
-              </a:uFill>
-              <a:latin typeface="Arial"/>
-            </a:endParaRPr>
-          </a:p>
-          <a:p>
-            <a:r>
-              <a:rPr b="0" lang="en-US" sz="2400" spc="-1" strike="noStrike">
-                <a:solidFill>
-                  <a:srgbClr val="000000"/>
-                </a:solidFill>
-                <a:uFill>
-                  <a:solidFill>
-                    <a:srgbClr val="ffffff"/>
-                  </a:solidFill>
-                </a:uFill>
-                <a:latin typeface="Courier New"/>
-              </a:rPr>
-              <a:t>Similar to the Turing Test, the Chinese Room Thought Experiment (CRTE) deals with the difference between strong and weak AI. It questions whether a machine that walks like a duck, and talks like a duck, is a duck; or a conscious person in our case.</a:t>
-            </a:r>
-            <a:endParaRPr b="0" lang="en-US" sz="2400" spc="-1" strike="noStrike">
-              <a:solidFill>
-                <a:srgbClr val="000000"/>
-              </a:solidFill>
-              <a:uFill>
-                <a:solidFill>
-                  <a:srgbClr val="ffffff"/>
-                </a:solidFill>
-              </a:uFill>
-              <a:latin typeface="Arial"/>
-            </a:endParaRPr>
-          </a:p>
-          <a:p>
-            <a:endParaRPr b="0" lang="en-US" sz="2400" spc="-1" strike="noStrike">
-              <a:solidFill>
-                <a:srgbClr val="000000"/>
-              </a:solidFill>
-              <a:uFill>
-                <a:solidFill>
-                  <a:srgbClr val="ffffff"/>
-                </a:solidFill>
-              </a:uFill>
-              <a:latin typeface="Arial"/>
-            </a:endParaRPr>
-          </a:p>
-          <a:p>
-            <a:endParaRPr b="0" lang="en-US" sz="2400" spc="-1" strike="noStrike">
-              <a:solidFill>
-                <a:srgbClr val="000000"/>
-              </a:solidFill>
-              <a:uFill>
-                <a:solidFill>
-                  <a:srgbClr val="ffffff"/>
-                </a:solidFill>
-              </a:uFill>
-              <a:latin typeface="Arial"/>
-            </a:endParaRPr>
-          </a:p>
-        </p:txBody>
-      </p:sp>
-      <p:sp>
-        <p:nvSpPr>
-          <p:cNvPr id="40" name="CustomShape 4"/>
-          <p:cNvSpPr/>
-          <p:nvPr/>
-        </p:nvSpPr>
-        <p:spPr>
           <a:xfrm rot="21578400">
-            <a:off x="13920480" y="2599200"/>
-            <a:ext cx="12618360" cy="7131960"/>
+            <a:off x="16098840" y="19260000"/>
+            <a:ext cx="16625520" cy="2045160"/>
           </a:xfrm>
           <a:prstGeom prst="rect">
             <a:avLst/>
@@ -2030,7 +1674,7 @@
       </p:sp>
       <p:pic>
         <p:nvPicPr>
-          <p:cNvPr id="41" name="" descr=""/>
+          <p:cNvPr id="40" name="" descr=""/>
           <p:cNvPicPr/>
           <p:nvPr/>
         </p:nvPicPr>
@@ -2040,8 +1684,8 @@
         </p:blipFill>
         <p:spPr>
           <a:xfrm>
-            <a:off x="14897520" y="5074200"/>
-            <a:ext cx="6681960" cy="4316400"/>
+            <a:off x="16387200" y="1539720"/>
+            <a:ext cx="7295040" cy="4951800"/>
           </a:xfrm>
           <a:prstGeom prst="rect">
             <a:avLst/>
@@ -2053,14 +1697,14 @@
       </p:pic>
       <p:sp>
         <p:nvSpPr>
-          <p:cNvPr id="42" name="CustomShape 5"/>
+          <p:cNvPr id="41" name="CustomShape 3"/>
           <p:cNvSpPr/>
           <p:nvPr/>
         </p:nvSpPr>
         <p:spPr>
           <a:xfrm>
-            <a:off x="14904720" y="3645360"/>
-            <a:ext cx="10627560" cy="1102320"/>
+            <a:off x="7406640" y="68400"/>
+            <a:ext cx="19110240" cy="2559600"/>
           </a:xfrm>
           <a:prstGeom prst="rect">
             <a:avLst/>
@@ -2079,96 +1723,2166 @@
         <p:txBody>
           <a:bodyPr lIns="90000" rIns="90000" tIns="45000" bIns="45000"/>
           <a:p>
+            <a:r>
+              <a:rPr b="1" lang="en-US" sz="6600" spc="-1" strike="noStrike">
+                <a:solidFill>
+                  <a:srgbClr val="000000"/>
+                </a:solidFill>
+                <a:latin typeface="Courier New"/>
+                <a:ea typeface="DejaVu Sans"/>
+              </a:rPr>
+              <a:t>Searle’s Chinese Room, Interprocess, &amp; Telemetry Protocol</a:t>
+            </a:r>
+            <a:endParaRPr b="0" lang="en-US" sz="6600" spc="-1" strike="noStrike">
+              <a:latin typeface="Arial"/>
+            </a:endParaRPr>
+          </a:p>
+        </p:txBody>
+      </p:sp>
+      <p:sp>
+        <p:nvSpPr>
+          <p:cNvPr id="42" name="CustomShape 4"/>
+          <p:cNvSpPr/>
+          <p:nvPr/>
+        </p:nvSpPr>
+        <p:spPr>
+          <a:xfrm rot="21578400">
+            <a:off x="266040" y="2230200"/>
+            <a:ext cx="13584960" cy="10025280"/>
+          </a:xfrm>
+          <a:prstGeom prst="rect">
+            <a:avLst/>
+          </a:prstGeom>
+          <a:solidFill>
+            <a:srgbClr val="ffffff"/>
+          </a:solidFill>
+          <a:ln>
+            <a:solidFill>
+              <a:srgbClr val="000000"/>
+            </a:solidFill>
+          </a:ln>
+        </p:spPr>
+        <p:style>
+          <a:lnRef idx="0"/>
+          <a:fillRef idx="0"/>
+          <a:effectRef idx="0"/>
+          <a:fontRef idx="minor"/>
+        </p:style>
+      </p:sp>
+      <p:sp>
+        <p:nvSpPr>
+          <p:cNvPr id="43" name="CustomShape 5"/>
+          <p:cNvSpPr/>
+          <p:nvPr/>
+        </p:nvSpPr>
+        <p:spPr>
+          <a:xfrm>
+            <a:off x="1463040" y="3749040"/>
+            <a:ext cx="11702880" cy="5256720"/>
+          </a:xfrm>
+          <a:prstGeom prst="rect">
+            <a:avLst/>
+          </a:prstGeom>
+          <a:noFill/>
+          <a:ln>
+            <a:noFill/>
+          </a:ln>
+        </p:spPr>
+        <p:style>
+          <a:lnRef idx="0"/>
+          <a:fillRef idx="0"/>
+          <a:effectRef idx="0"/>
+          <a:fontRef idx="minor"/>
+        </p:style>
+        <p:txBody>
+          <a:bodyPr lIns="90000" rIns="90000" tIns="45000" bIns="45000"/>
+          <a:p>
             <a:endParaRPr b="0" lang="en-US" sz="1800" spc="-1" strike="noStrike">
-              <a:solidFill>
-                <a:srgbClr val="000000"/>
-              </a:solidFill>
-              <a:uFill>
-                <a:solidFill>
-                  <a:srgbClr val="ffffff"/>
-                </a:solidFill>
-              </a:uFill>
-              <a:latin typeface="Arial"/>
-            </a:endParaRPr>
-          </a:p>
-          <a:p>
-            <a:r>
-              <a:rPr b="1" lang="en-US" sz="1800" spc="-1" strike="noStrike">
-                <a:solidFill>
-                  <a:srgbClr val="000000"/>
-                </a:solidFill>
-                <a:uFill>
-                  <a:solidFill>
-                    <a:srgbClr val="ffffff"/>
-                  </a:solidFill>
-                </a:uFill>
+              <a:latin typeface="Arial"/>
+            </a:endParaRPr>
+          </a:p>
+          <a:p>
+            <a:endParaRPr b="0" lang="en-US" sz="1800" spc="-1" strike="noStrike">
+              <a:latin typeface="Arial"/>
+            </a:endParaRPr>
+          </a:p>
+          <a:p>
+            <a:endParaRPr b="0" lang="en-US" sz="1800" spc="-1" strike="noStrike">
+              <a:latin typeface="Arial"/>
+            </a:endParaRPr>
+          </a:p>
+        </p:txBody>
+      </p:sp>
+      <p:sp>
+        <p:nvSpPr>
+          <p:cNvPr id="44" name="CustomShape 6"/>
+          <p:cNvSpPr/>
+          <p:nvPr/>
+        </p:nvSpPr>
+        <p:spPr>
+          <a:xfrm rot="21578400">
+            <a:off x="15948720" y="6873120"/>
+            <a:ext cx="16593480" cy="12277080"/>
+          </a:xfrm>
+          <a:prstGeom prst="rect">
+            <a:avLst/>
+          </a:prstGeom>
+          <a:solidFill>
+            <a:srgbClr val="ffffff"/>
+          </a:solidFill>
+          <a:ln>
+            <a:solidFill>
+              <a:srgbClr val="000000"/>
+            </a:solidFill>
+          </a:ln>
+        </p:spPr>
+        <p:style>
+          <a:lnRef idx="0"/>
+          <a:fillRef idx="0"/>
+          <a:effectRef idx="0"/>
+          <a:fontRef idx="minor"/>
+        </p:style>
+      </p:sp>
+      <p:pic>
+        <p:nvPicPr>
+          <p:cNvPr id="45" name="" descr=""/>
+          <p:cNvPicPr/>
+          <p:nvPr/>
+        </p:nvPicPr>
+        <p:blipFill>
+          <a:blip r:embed="rId2"/>
+          <a:stretch/>
+        </p:blipFill>
+        <p:spPr>
+          <a:xfrm>
+            <a:off x="17048880" y="9829800"/>
+            <a:ext cx="6680880" cy="4315320"/>
+          </a:xfrm>
+          <a:prstGeom prst="rect">
+            <a:avLst/>
+          </a:prstGeom>
+          <a:ln>
+            <a:noFill/>
+          </a:ln>
+        </p:spPr>
+      </p:pic>
+      <p:sp>
+        <p:nvSpPr>
+          <p:cNvPr id="46" name="CustomShape 7"/>
+          <p:cNvSpPr/>
+          <p:nvPr/>
+        </p:nvSpPr>
+        <p:spPr>
+          <a:xfrm>
+            <a:off x="113760" y="-273960"/>
+            <a:ext cx="7383600" cy="2193840"/>
+          </a:xfrm>
+          <a:prstGeom prst="rect">
+            <a:avLst/>
+          </a:prstGeom>
+          <a:noFill/>
+          <a:ln>
+            <a:noFill/>
+          </a:ln>
+        </p:spPr>
+        <p:style>
+          <a:lnRef idx="0"/>
+          <a:fillRef idx="0"/>
+          <a:effectRef idx="0"/>
+          <a:fontRef idx="minor"/>
+        </p:style>
+        <p:txBody>
+          <a:bodyPr lIns="90000" rIns="90000" tIns="45000" bIns="45000"/>
+          <a:p>
+            <a:r>
+              <a:rPr b="1" lang="en-US" sz="12800" spc="-1" strike="noStrike">
+                <a:solidFill>
+                  <a:srgbClr val="000000"/>
+                </a:solidFill>
+                <a:latin typeface="Courier New"/>
+                <a:ea typeface="DejaVu Sans"/>
+              </a:rPr>
+              <a:t>Script:</a:t>
+            </a:r>
+            <a:endParaRPr b="0" lang="en-US" sz="12800" spc="-1" strike="noStrike">
+              <a:latin typeface="Arial"/>
+            </a:endParaRPr>
+          </a:p>
+        </p:txBody>
+      </p:sp>
+      <p:sp>
+        <p:nvSpPr>
+          <p:cNvPr id="47" name="CustomShape 8"/>
+          <p:cNvSpPr/>
+          <p:nvPr/>
+        </p:nvSpPr>
+        <p:spPr>
+          <a:xfrm>
+            <a:off x="23408640" y="0"/>
+            <a:ext cx="9326160" cy="3588120"/>
+          </a:xfrm>
+          <a:prstGeom prst="rect">
+            <a:avLst/>
+          </a:prstGeom>
+          <a:noFill/>
+          <a:ln>
+            <a:noFill/>
+          </a:ln>
+          <a:effectLst>
+            <a:outerShdw dir="2700000" dist="143570">
+              <a:srgbClr val="c2e0ae"/>
+            </a:outerShdw>
+          </a:effectLst>
+        </p:spPr>
+        <p:style>
+          <a:lnRef idx="0"/>
+          <a:fillRef idx="0"/>
+          <a:effectRef idx="0"/>
+          <a:fontRef idx="minor"/>
+        </p:style>
+        <p:txBody>
+          <a:bodyPr lIns="90000" rIns="90000" tIns="45000" bIns="45000"/>
+          <a:p>
+            <a:pPr algn="r">
+              <a:lnSpc>
+                <a:spcPct val="100000"/>
+              </a:lnSpc>
+            </a:pPr>
+            <a:r>
+              <a:rPr b="1" i="1" lang="en-US" sz="7200" spc="-1" strike="noStrike">
+                <a:solidFill>
+                  <a:srgbClr val="579835"/>
+                </a:solidFill>
+                <a:latin typeface="Courier New"/>
+                <a:ea typeface="DejaVu Sans"/>
+              </a:rPr>
+              <a:t>Mimicry in</a:t>
+            </a:r>
+            <a:br/>
+            <a:r>
+              <a:rPr b="1" i="1" lang="en-US" sz="7200" spc="-1" strike="noStrike">
+                <a:solidFill>
+                  <a:srgbClr val="579835"/>
+                </a:solidFill>
+                <a:latin typeface="Courier New"/>
+                <a:ea typeface="DejaVu Sans"/>
+              </a:rPr>
+              <a:t>Computer Science</a:t>
+            </a:r>
+            <a:br/>
+            <a:r>
+              <a:rPr b="1" i="1" lang="en-US" sz="7200" spc="-1" strike="noStrike">
+                <a:solidFill>
+                  <a:srgbClr val="579835"/>
+                </a:solidFill>
+                <a:latin typeface="Courier New"/>
+                <a:ea typeface="DejaVu Sans"/>
+              </a:rPr>
+              <a:t>&amp; Engineering</a:t>
+            </a:r>
+            <a:endParaRPr b="0" lang="en-US" sz="7200" spc="-1" strike="noStrike">
+              <a:latin typeface="Arial"/>
+            </a:endParaRPr>
+          </a:p>
+        </p:txBody>
+      </p:sp>
+      <p:sp>
+        <p:nvSpPr>
+          <p:cNvPr id="48" name="CustomShape 9"/>
+          <p:cNvSpPr/>
+          <p:nvPr/>
+        </p:nvSpPr>
+        <p:spPr>
+          <a:xfrm>
+            <a:off x="16339320" y="7132320"/>
+            <a:ext cx="15847200" cy="2742840"/>
+          </a:xfrm>
+          <a:prstGeom prst="rect">
+            <a:avLst/>
+          </a:prstGeom>
+          <a:noFill/>
+          <a:ln>
+            <a:noFill/>
+          </a:ln>
+        </p:spPr>
+        <p:style>
+          <a:lnRef idx="0"/>
+          <a:fillRef idx="0"/>
+          <a:effectRef idx="0"/>
+          <a:fontRef idx="minor"/>
+        </p:style>
+        <p:txBody>
+          <a:bodyPr lIns="90000" rIns="90000" tIns="45000" bIns="45000"/>
+          <a:p>
+            <a:r>
+              <a:rPr b="1" lang="en-US" sz="4000" spc="-1" strike="noStrike">
+                <a:solidFill>
+                  <a:srgbClr val="000000"/>
+                </a:solidFill>
+                <a:latin typeface="Courier New"/>
+                <a:ea typeface="DejaVu Sans"/>
+              </a:rPr>
+              <a:t>Benchmarks    </a:t>
+            </a:r>
+            <a:r>
+              <a:rPr b="0" lang="en-US" sz="2400" spc="-1" strike="noStrike">
+                <a:solidFill>
+                  <a:srgbClr val="000000"/>
+                </a:solidFill>
+                <a:latin typeface="Courier New"/>
+                <a:ea typeface="DejaVu Sans"/>
+              </a:rPr>
+              <a:t>Benchmark compared to 1000 calls to Boost, eRPC, and Thrift, to 1000 calls to both Serial SPRIPT and Interprocess scripts.</a:t>
+            </a:r>
+            <a:endParaRPr b="0" lang="en-US" sz="2400" spc="-1" strike="noStrike">
+              <a:latin typeface="Arial"/>
+            </a:endParaRPr>
+          </a:p>
+        </p:txBody>
+      </p:sp>
+      <p:sp>
+        <p:nvSpPr>
+          <p:cNvPr id="49" name="CustomShape 10"/>
+          <p:cNvSpPr/>
+          <p:nvPr/>
+        </p:nvSpPr>
+        <p:spPr>
+          <a:xfrm>
+            <a:off x="667080" y="2628000"/>
+            <a:ext cx="13012920" cy="6377400"/>
+          </a:xfrm>
+          <a:prstGeom prst="rect">
+            <a:avLst/>
+          </a:prstGeom>
+          <a:noFill/>
+          <a:ln>
+            <a:noFill/>
+          </a:ln>
+        </p:spPr>
+        <p:style>
+          <a:lnRef idx="0"/>
+          <a:fillRef idx="0"/>
+          <a:effectRef idx="0"/>
+          <a:fontRef idx="minor"/>
+        </p:style>
+        <p:txBody>
+          <a:bodyPr lIns="90000" rIns="90000" tIns="45000" bIns="45000"/>
+          <a:p>
+            <a:r>
+              <a:rPr b="1" lang="en-US" sz="2400" spc="-1" strike="noStrike">
+                <a:solidFill>
+                  <a:srgbClr val="000000"/>
+                </a:solidFill>
+                <a:latin typeface="Courier New"/>
+                <a:ea typeface="DejaVu Sans"/>
+              </a:rPr>
+              <a:t>Chinese Room</a:t>
+            </a:r>
+            <a:r>
+              <a:rPr b="0" lang="en-US" sz="2400" spc="-1" strike="noStrike">
+                <a:solidFill>
+                  <a:srgbClr val="000000"/>
+                </a:solidFill>
+                <a:latin typeface="Courier New"/>
+                <a:ea typeface="DejaVu Sans"/>
+              </a:rPr>
+              <a:t>   </a:t>
+            </a:r>
+            <a:r>
+              <a:rPr b="0" lang="en-US" sz="1400" spc="-1" strike="noStrike">
+                <a:solidFill>
+                  <a:srgbClr val="000000"/>
+                </a:solidFill>
+                <a:latin typeface="Courier New"/>
+                <a:ea typeface="DejaVu Sans"/>
+              </a:rPr>
+              <a:t>The Chinese Room (CR) is a </a:t>
+            </a:r>
+            <a:r>
+              <a:rPr b="1" lang="en-US" sz="1400" spc="-1" strike="noStrike">
+                <a:solidFill>
+                  <a:srgbClr val="000000"/>
+                </a:solidFill>
+                <a:latin typeface="Courier New"/>
+                <a:ea typeface="DejaVu Sans"/>
+              </a:rPr>
+              <a:t>Abstract Stack Machine (ASM)</a:t>
+            </a:r>
+            <a:r>
+              <a:rPr b="0" lang="en-US" sz="1400" spc="-1" strike="noStrike">
+                <a:solidFill>
+                  <a:srgbClr val="000000"/>
+                </a:solidFill>
+                <a:latin typeface="Courier New"/>
+                <a:ea typeface="DejaVu Sans"/>
+              </a:rPr>
+              <a:t> and famous AI philosophy theory related to the Turing Test that highlights the differences between strong and weak AI (</a:t>
+            </a:r>
+            <a:r>
+              <a:rPr b="0" i="1" lang="en-US" sz="1400" spc="-1" strike="noStrike">
+                <a:solidFill>
+                  <a:srgbClr val="000000"/>
+                </a:solidFill>
+                <a:latin typeface="Courier New"/>
+                <a:ea typeface="DejaVu Sans"/>
+              </a:rPr>
+              <a:t>@wiki Chinese Room</a:t>
+            </a:r>
+            <a:r>
+              <a:rPr b="0" lang="en-US" sz="1400" spc="-1" strike="noStrike">
+                <a:solidFill>
+                  <a:srgbClr val="000000"/>
+                </a:solidFill>
+                <a:latin typeface="Courier New"/>
+                <a:ea typeface="DejaVu Sans"/>
+              </a:rPr>
+              <a:t>). Script mimics the philosophy theory using the </a:t>
+            </a:r>
+            <a:r>
+              <a:rPr b="1" lang="en-US" sz="1400" spc="-1" strike="noStrike">
+                <a:solidFill>
+                  <a:srgbClr val="000000"/>
+                </a:solidFill>
+                <a:latin typeface="Courier New"/>
+                <a:ea typeface="DejaVu Sans"/>
+              </a:rPr>
+              <a:t>A</a:t>
+            </a:r>
+            <a:r>
+              <a:rPr b="0" lang="en-US" sz="1400" spc="-1" strike="noStrike">
+                <a:solidFill>
+                  <a:srgbClr val="000000"/>
+                </a:solidFill>
+                <a:latin typeface="Courier New"/>
+                <a:ea typeface="DejaVu Sans"/>
+              </a:rPr>
+              <a:t>=</a:t>
+            </a:r>
+            <a:r>
+              <a:rPr b="1" lang="en-US" sz="1400" spc="-1" strike="noStrike">
+                <a:solidFill>
+                  <a:srgbClr val="000000"/>
+                </a:solidFill>
+                <a:latin typeface="Courier New"/>
+                <a:ea typeface="DejaVu Sans"/>
+              </a:rPr>
+              <a:t>A</a:t>
+            </a:r>
+            <a:r>
+              <a:rPr b="0" lang="en-US" sz="1400" spc="-1" strike="noStrike">
+                <a:solidFill>
+                  <a:srgbClr val="000000"/>
+                </a:solidFill>
+                <a:latin typeface="Courier New"/>
+                <a:ea typeface="DejaVu Sans"/>
+              </a:rPr>
+              <a:t>*</a:t>
+            </a:r>
+            <a:r>
+              <a:rPr b="1" lang="en-US" sz="1400" spc="-1" strike="noStrike">
+                <a:solidFill>
+                  <a:srgbClr val="000000"/>
+                </a:solidFill>
+                <a:latin typeface="Courier New"/>
+                <a:ea typeface="DejaVu Sans"/>
+              </a:rPr>
+              <a:t>B</a:t>
+            </a:r>
+            <a:r>
+              <a:rPr b="0" lang="en-US" sz="1400" spc="-1" strike="noStrike">
+                <a:solidFill>
+                  <a:srgbClr val="000000"/>
+                </a:solidFill>
+                <a:latin typeface="Courier New"/>
+                <a:ea typeface="DejaVu Sans"/>
+              </a:rPr>
+              <a:t> Group Theory where </a:t>
+            </a:r>
+            <a:r>
+              <a:rPr b="1" lang="en-US" sz="1400" spc="-1" strike="noStrike">
+                <a:solidFill>
+                  <a:srgbClr val="000000"/>
+                </a:solidFill>
+                <a:latin typeface="Courier New"/>
+                <a:ea typeface="DejaVu Sans"/>
+              </a:rPr>
+              <a:t>A</a:t>
+            </a:r>
+            <a:r>
+              <a:rPr b="0" lang="en-US" sz="1400" spc="-1" strike="noStrike">
+                <a:solidFill>
+                  <a:srgbClr val="000000"/>
+                </a:solidFill>
+                <a:latin typeface="Courier New"/>
+                <a:ea typeface="DejaVu Sans"/>
+              </a:rPr>
+              <a:t> is a set of states in a state machine and </a:t>
+            </a:r>
+            <a:r>
+              <a:rPr b="1" lang="en-US" sz="1400" spc="-1" strike="noStrike">
+                <a:solidFill>
+                  <a:srgbClr val="000000"/>
+                </a:solidFill>
+                <a:latin typeface="Courier New"/>
+                <a:ea typeface="DejaVu Sans"/>
+              </a:rPr>
+              <a:t>B</a:t>
+            </a:r>
+            <a:r>
+              <a:rPr b="0" lang="en-US" sz="1400" spc="-1" strike="noStrike">
+                <a:solidFill>
+                  <a:srgbClr val="000000"/>
+                </a:solidFill>
+                <a:latin typeface="Courier New"/>
+                <a:ea typeface="DejaVu Sans"/>
+              </a:rPr>
+              <a:t> is a sequence of </a:t>
+            </a:r>
+            <a:r>
+              <a:rPr b="1" lang="en-US" sz="1400" spc="-1" strike="noStrike">
+                <a:solidFill>
+                  <a:srgbClr val="000000"/>
+                </a:solidFill>
+                <a:latin typeface="Courier New"/>
+                <a:ea typeface="DejaVu Sans"/>
+              </a:rPr>
+              <a:t>B-Input</a:t>
+            </a:r>
+            <a:r>
+              <a:rPr b="0" lang="en-US" sz="1400" spc="-1" strike="noStrike">
+                <a:solidFill>
+                  <a:srgbClr val="000000"/>
+                </a:solidFill>
+                <a:latin typeface="Courier New"/>
+                <a:ea typeface="DejaVu Sans"/>
+              </a:rPr>
+              <a:t> and </a:t>
+            </a:r>
+            <a:r>
+              <a:rPr b="1" lang="en-US" sz="1400" spc="-1" strike="noStrike">
+                <a:solidFill>
+                  <a:srgbClr val="000000"/>
+                </a:solidFill>
+                <a:latin typeface="Courier New"/>
+                <a:ea typeface="DejaVu Sans"/>
+              </a:rPr>
+              <a:t>B-Output</a:t>
+            </a:r>
+            <a:r>
+              <a:rPr b="0" lang="en-US" sz="1400" spc="-1" strike="noStrike">
+                <a:solidFill>
+                  <a:srgbClr val="000000"/>
+                </a:solidFill>
+                <a:latin typeface="Courier New"/>
+                <a:ea typeface="DejaVu Sans"/>
+              </a:rPr>
+              <a:t> messages that get routed to </a:t>
+            </a:r>
+            <a:r>
+              <a:rPr b="1" lang="en-US" sz="1400" spc="-1" strike="noStrike">
+                <a:solidFill>
+                  <a:srgbClr val="000000"/>
+                </a:solidFill>
+                <a:latin typeface="Courier New"/>
+                <a:ea typeface="DejaVu Sans"/>
+              </a:rPr>
+              <a:t>Rooms</a:t>
+            </a:r>
+            <a:r>
+              <a:rPr b="0" lang="en-US" sz="1400" spc="-1" strike="noStrike">
+                <a:solidFill>
+                  <a:srgbClr val="000000"/>
+                </a:solidFill>
+                <a:latin typeface="Courier New"/>
+                <a:ea typeface="DejaVu Sans"/>
+              </a:rPr>
+              <a:t> through </a:t>
+            </a:r>
+            <a:r>
+              <a:rPr b="1" lang="en-US" sz="1400" spc="-1" strike="noStrike">
+                <a:solidFill>
+                  <a:srgbClr val="000000"/>
+                </a:solidFill>
+                <a:latin typeface="Courier New"/>
+                <a:ea typeface="DejaVu Sans"/>
+              </a:rPr>
+              <a:t>Slots</a:t>
+            </a:r>
+            <a:r>
+              <a:rPr b="0" lang="en-US" sz="1400" spc="-1" strike="noStrike">
+                <a:solidFill>
+                  <a:srgbClr val="000000"/>
+                </a:solidFill>
+                <a:latin typeface="Courier New"/>
+                <a:ea typeface="DejaVu Sans"/>
+              </a:rPr>
+              <a:t> in </a:t>
+            </a:r>
+            <a:r>
+              <a:rPr b="1" lang="en-US" sz="1400" spc="-1" strike="noStrike">
+                <a:solidFill>
+                  <a:srgbClr val="000000"/>
+                </a:solidFill>
+                <a:latin typeface="Courier New"/>
+                <a:ea typeface="DejaVu Sans"/>
+              </a:rPr>
+              <a:t>Doors</a:t>
+            </a:r>
+            <a:r>
+              <a:rPr b="0" lang="en-US" sz="1400" spc="-1" strike="noStrike">
+                <a:solidFill>
+                  <a:srgbClr val="000000"/>
+                </a:solidFill>
+                <a:latin typeface="Courier New"/>
+                <a:ea typeface="DejaVu Sans"/>
+              </a:rPr>
+              <a:t> that closely parallel TCP Ports. In the CR Thought Experiment the person in the room gets a message through the slot in the door written in Chinese, performs manual computer vision to translate the message into a </a:t>
+            </a:r>
+            <a:r>
+              <a:rPr b="1" lang="en-US" sz="1400" spc="-1" strike="noStrike">
+                <a:solidFill>
+                  <a:srgbClr val="000000"/>
+                </a:solidFill>
+                <a:latin typeface="Courier New"/>
+                <a:ea typeface="DejaVu Sans"/>
+              </a:rPr>
+              <a:t>B-Sequence</a:t>
+            </a:r>
+            <a:r>
+              <a:rPr b="0" lang="en-US" sz="1400" spc="-1" strike="noStrike">
+                <a:solidFill>
+                  <a:srgbClr val="000000"/>
+                </a:solidFill>
+                <a:latin typeface="Courier New"/>
+                <a:ea typeface="DejaVu Sans"/>
+              </a:rPr>
+              <a:t> that use the </a:t>
+            </a:r>
+            <a:r>
+              <a:rPr b="1" lang="en-US" sz="1400" spc="-1" strike="noStrike">
+                <a:solidFill>
+                  <a:srgbClr val="000000"/>
+                </a:solidFill>
+                <a:latin typeface="Courier New"/>
+                <a:ea typeface="DejaVu Sans"/>
+              </a:rPr>
+              <a:t>Plus (+)</a:t>
+            </a:r>
+            <a:r>
+              <a:rPr b="0" lang="en-US" sz="1400" spc="-1" strike="noStrike">
+                <a:solidFill>
+                  <a:srgbClr val="000000"/>
+                </a:solidFill>
+                <a:latin typeface="Courier New"/>
+                <a:ea typeface="DejaVu Sans"/>
+              </a:rPr>
+              <a:t> </a:t>
+            </a:r>
+            <a:r>
+              <a:rPr b="1" lang="en-US" sz="1400" spc="-1" strike="noStrike">
+                <a:solidFill>
+                  <a:srgbClr val="000000"/>
+                </a:solidFill>
+                <a:latin typeface="Courier New"/>
+                <a:ea typeface="DejaVu Sans"/>
+              </a:rPr>
+              <a:t>Operation</a:t>
+            </a:r>
+            <a:r>
+              <a:rPr b="0" lang="en-US" sz="1400" spc="-1" strike="noStrike">
+                <a:solidFill>
+                  <a:srgbClr val="000000"/>
+                </a:solidFill>
+                <a:latin typeface="Courier New"/>
+                <a:ea typeface="DejaVu Sans"/>
+              </a:rPr>
+              <a:t> for </a:t>
+            </a:r>
+            <a:r>
+              <a:rPr b="1" lang="en-US" sz="1400" spc="-1" strike="noStrike">
+                <a:solidFill>
+                  <a:srgbClr val="000000"/>
+                </a:solidFill>
+                <a:latin typeface="Courier New"/>
+                <a:ea typeface="DejaVu Sans"/>
+              </a:rPr>
+              <a:t>Asynchronous ASM Operations</a:t>
+            </a:r>
+            <a:r>
+              <a:rPr b="0" lang="en-US" sz="1400" spc="-1" strike="noStrike">
+                <a:solidFill>
+                  <a:srgbClr val="000000"/>
+                </a:solidFill>
+                <a:latin typeface="Courier New"/>
+                <a:ea typeface="DejaVu Sans"/>
+              </a:rPr>
+              <a:t>, exponents for to create </a:t>
+            </a:r>
+            <a:r>
+              <a:rPr b="1" lang="en-US" sz="1400" spc="-1" strike="noStrike">
+                <a:solidFill>
+                  <a:srgbClr val="000000"/>
+                </a:solidFill>
+                <a:latin typeface="Courier New"/>
+                <a:ea typeface="DejaVu Sans"/>
+              </a:rPr>
+              <a:t>Program Loops</a:t>
+            </a:r>
+            <a:r>
+              <a:rPr b="0" lang="en-US" sz="1400" spc="-1" strike="noStrike">
+                <a:solidFill>
+                  <a:srgbClr val="000000"/>
+                </a:solidFill>
+                <a:latin typeface="Courier New"/>
+                <a:ea typeface="DejaVu Sans"/>
+              </a:rPr>
+              <a:t>, and multiplication to perform </a:t>
+            </a:r>
+            <a:r>
+              <a:rPr b="1" lang="en-US" sz="1400" spc="-1" strike="noStrike">
+                <a:solidFill>
+                  <a:srgbClr val="000000"/>
+                </a:solidFill>
+                <a:latin typeface="Courier New"/>
+                <a:ea typeface="DejaVu Sans"/>
+              </a:rPr>
+              <a:t>Function Composition</a:t>
+            </a:r>
+            <a:r>
+              <a:rPr b="0" lang="en-US" sz="1400" spc="-1" strike="noStrike">
+                <a:solidFill>
+                  <a:srgbClr val="000000"/>
+                </a:solidFill>
+                <a:latin typeface="Courier New"/>
+                <a:ea typeface="DejaVu Sans"/>
+              </a:rPr>
+              <a:t> for </a:t>
+            </a:r>
+            <a:r>
+              <a:rPr b="1" lang="en-US" sz="1400" spc="-1" strike="noStrike">
+                <a:solidFill>
+                  <a:srgbClr val="000000"/>
+                </a:solidFill>
+                <a:latin typeface="Courier New"/>
+                <a:ea typeface="DejaVu Sans"/>
+              </a:rPr>
+              <a:t>Turning Complete </a:t>
+            </a:r>
+            <a:r>
+              <a:rPr b="1" lang="en-US" sz="1400" spc="-1" strike="noStrike">
+                <a:solidFill>
+                  <a:srgbClr val="000000"/>
+                </a:solidFill>
+                <a:latin typeface="Courier New"/>
+                <a:ea typeface="DejaVu Sans"/>
+              </a:rPr>
+              <a:t>Syncronous ASM Operations</a:t>
+            </a:r>
+            <a:r>
+              <a:rPr b="0" lang="en-US" sz="1400" spc="-1" strike="noStrike">
+                <a:solidFill>
+                  <a:srgbClr val="000000"/>
+                </a:solidFill>
+                <a:latin typeface="Courier New"/>
+                <a:ea typeface="DejaVu Sans"/>
+              </a:rPr>
+              <a:t>. Script uses single </a:t>
+            </a:r>
+            <a:r>
+              <a:rPr b="1" lang="en-US" sz="1400" spc="-1" strike="noStrike">
+                <a:solidFill>
+                  <a:srgbClr val="000000"/>
+                </a:solidFill>
+                <a:latin typeface="Courier New"/>
+                <a:ea typeface="DejaVu Sans"/>
+              </a:rPr>
+              <a:t>Unicode Characters</a:t>
+            </a:r>
+            <a:r>
+              <a:rPr b="0" lang="en-US" sz="1400" spc="-1" strike="noStrike">
+                <a:solidFill>
+                  <a:srgbClr val="000000"/>
+                </a:solidFill>
+                <a:latin typeface="Courier New"/>
+                <a:ea typeface="DejaVu Sans"/>
+              </a:rPr>
+              <a:t>, </a:t>
+            </a:r>
+            <a:r>
+              <a:rPr b="1" lang="en-US" sz="1400" spc="-1" strike="noStrike">
+                <a:solidFill>
+                  <a:srgbClr val="000000"/>
+                </a:solidFill>
+                <a:latin typeface="Courier New"/>
+                <a:ea typeface="DejaVu Sans"/>
+              </a:rPr>
+              <a:t>Indexes</a:t>
+            </a:r>
+            <a:r>
+              <a:rPr b="0" lang="en-US" sz="1400" spc="-1" strike="noStrike">
+                <a:solidFill>
+                  <a:srgbClr val="000000"/>
+                </a:solidFill>
+                <a:latin typeface="Courier New"/>
+                <a:ea typeface="DejaVu Sans"/>
+              </a:rPr>
+              <a:t>, or </a:t>
+            </a:r>
+            <a:r>
+              <a:rPr b="1" lang="en-US" sz="1400" spc="-1" strike="noStrike">
+                <a:solidFill>
+                  <a:srgbClr val="000000"/>
+                </a:solidFill>
+                <a:latin typeface="Courier New"/>
+                <a:ea typeface="DejaVu Sans"/>
+              </a:rPr>
+              <a:t>Key Strings</a:t>
+            </a:r>
+            <a:r>
+              <a:rPr b="0" lang="en-US" sz="1400" spc="-1" strike="noStrike">
+                <a:solidFill>
+                  <a:srgbClr val="000000"/>
+                </a:solidFill>
+                <a:latin typeface="Courier New"/>
+                <a:ea typeface="DejaVu Sans"/>
+              </a:rPr>
+              <a:t> to call </a:t>
+            </a:r>
+            <a:r>
+              <a:rPr b="1" lang="en-US" sz="1400" spc="-1" strike="noStrike">
+                <a:solidFill>
+                  <a:srgbClr val="000000"/>
+                </a:solidFill>
+                <a:latin typeface="Courier New"/>
+                <a:ea typeface="DejaVu Sans"/>
+              </a:rPr>
+              <a:t>Operations</a:t>
+            </a:r>
+            <a:r>
+              <a:rPr b="0" lang="en-US" sz="1400" spc="-1" strike="noStrike">
+                <a:solidFill>
+                  <a:srgbClr val="000000"/>
+                </a:solidFill>
+                <a:latin typeface="Courier New"/>
+                <a:ea typeface="DejaVu Sans"/>
+              </a:rPr>
+              <a:t> and a set of data structures outlined in the </a:t>
+            </a:r>
+            <a:r>
+              <a:rPr b="1" lang="en-US" sz="1400" spc="-1" strike="noStrike">
+                <a:solidFill>
+                  <a:srgbClr val="000000"/>
+                </a:solidFill>
+                <a:latin typeface="Courier New"/>
+                <a:ea typeface="DejaVu Sans"/>
+              </a:rPr>
+              <a:t>Script RFC</a:t>
+            </a:r>
+            <a:r>
+              <a:rPr b="0" lang="en-US" sz="1400" spc="-1" strike="noStrike">
+                <a:solidFill>
+                  <a:srgbClr val="000000"/>
+                </a:solidFill>
+                <a:latin typeface="Courier New"/>
+                <a:ea typeface="DejaVu Sans"/>
+              </a:rPr>
+              <a:t> that word identically on 16-bit, 32-bit, and 64-bit processors.</a:t>
+            </a:r>
+            <a:endParaRPr b="0" lang="en-US" sz="1400" spc="-1" strike="noStrike">
+              <a:latin typeface="Courier New"/>
+            </a:endParaRPr>
+          </a:p>
+          <a:p>
+            <a:endParaRPr b="0" lang="en-US" sz="1400" spc="-1" strike="noStrike">
+              <a:latin typeface="Courier New"/>
+            </a:endParaRPr>
+          </a:p>
+          <a:p>
+            <a:r>
+              <a:rPr b="1" lang="en-US" sz="2400" spc="-1" strike="noStrike">
+                <a:solidFill>
+                  <a:srgbClr val="000000"/>
+                </a:solidFill>
+                <a:latin typeface="Courier New"/>
+                <a:ea typeface="DejaVu Sans"/>
+              </a:rPr>
+              <a:t>Data Types</a:t>
+            </a:r>
+            <a:r>
+              <a:rPr b="0" lang="en-US" sz="1400" spc="-1" strike="noStrike">
+                <a:solidFill>
+                  <a:srgbClr val="000000"/>
+                </a:solidFill>
+                <a:latin typeface="Courier New"/>
+                <a:ea typeface="DejaVu Sans"/>
+              </a:rPr>
+              <a:t>   Script supports 32 data types (TTypes) that can be used to represent almost any object. </a:t>
+            </a:r>
+            <a:endParaRPr b="0" lang="en-US" sz="1400" spc="-1" strike="noStrike">
+              <a:latin typeface="Courier New"/>
+            </a:endParaRPr>
+          </a:p>
+          <a:p>
+            <a:endParaRPr b="0" lang="en-US" sz="1400" spc="-1" strike="noStrike">
+              <a:latin typeface="Courier New"/>
+            </a:endParaRPr>
+          </a:p>
+          <a:p>
+            <a:r>
+              <a:rPr b="0" lang="en-US" sz="1400" spc="-1" strike="noStrike">
+                <a:solidFill>
+                  <a:srgbClr val="000000"/>
+                </a:solidFill>
+                <a:latin typeface="Courier New"/>
+                <a:ea typeface="DejaVu Sans"/>
+              </a:rPr>
+              <a:t>* UTF-8, UTF-16, and UTF Strings.</a:t>
+            </a:r>
+            <a:endParaRPr b="0" lang="en-US" sz="1400" spc="-1" strike="noStrike">
+              <a:latin typeface="Courier New"/>
+            </a:endParaRPr>
+          </a:p>
+          <a:p>
+            <a:r>
+              <a:rPr b="0" lang="en-US" sz="1400" spc="-1" strike="noStrike">
+                <a:solidFill>
+                  <a:srgbClr val="000000"/>
+                </a:solidFill>
+                <a:latin typeface="Courier New"/>
+                <a:ea typeface="DejaVu Sans"/>
+              </a:rPr>
+              <a:t>* 8, 16, 32, and 64-bit singed Integers (</a:t>
+            </a:r>
+            <a:r>
+              <a:rPr b="1" lang="en-US" sz="1400" spc="-1" strike="noStrike">
+                <a:solidFill>
+                  <a:srgbClr val="000000"/>
+                </a:solidFill>
+                <a:latin typeface="Courier New"/>
+                <a:ea typeface="DejaVu Sans"/>
+              </a:rPr>
+              <a:t>SI1</a:t>
+            </a:r>
+            <a:r>
+              <a:rPr b="0" lang="en-US" sz="1400" spc="-1" strike="noStrike">
+                <a:solidFill>
+                  <a:srgbClr val="000000"/>
+                </a:solidFill>
+                <a:latin typeface="Courier New"/>
+                <a:ea typeface="DejaVu Sans"/>
+              </a:rPr>
+              <a:t>, </a:t>
+            </a:r>
+            <a:r>
+              <a:rPr b="1" lang="en-US" sz="1400" spc="-1" strike="noStrike">
+                <a:solidFill>
+                  <a:srgbClr val="000000"/>
+                </a:solidFill>
+                <a:latin typeface="Courier New"/>
+                <a:ea typeface="DejaVu Sans"/>
+              </a:rPr>
+              <a:t>SI2</a:t>
+            </a:r>
+            <a:r>
+              <a:rPr b="0" lang="en-US" sz="1400" spc="-1" strike="noStrike">
+                <a:solidFill>
+                  <a:srgbClr val="000000"/>
+                </a:solidFill>
+                <a:latin typeface="Courier New"/>
+                <a:ea typeface="DejaVu Sans"/>
+              </a:rPr>
+              <a:t>, </a:t>
+            </a:r>
+            <a:r>
+              <a:rPr b="1" lang="en-US" sz="1400" spc="-1" strike="noStrike">
+                <a:solidFill>
+                  <a:srgbClr val="000000"/>
+                </a:solidFill>
+                <a:latin typeface="Courier New"/>
+                <a:ea typeface="DejaVu Sans"/>
+              </a:rPr>
+              <a:t>SI4</a:t>
+            </a:r>
+            <a:r>
+              <a:rPr b="0" lang="en-US" sz="1400" spc="-1" strike="noStrike">
+                <a:solidFill>
+                  <a:srgbClr val="000000"/>
+                </a:solidFill>
+                <a:latin typeface="Courier New"/>
+                <a:ea typeface="DejaVu Sans"/>
+              </a:rPr>
+              <a:t>, and </a:t>
+            </a:r>
+            <a:r>
+              <a:rPr b="1" lang="en-US" sz="1400" spc="-1" strike="noStrike">
+                <a:solidFill>
+                  <a:srgbClr val="000000"/>
+                </a:solidFill>
+                <a:latin typeface="Courier New"/>
+                <a:ea typeface="DejaVu Sans"/>
+              </a:rPr>
+              <a:t>SI8</a:t>
+            </a:r>
+            <a:r>
+              <a:rPr b="0" lang="en-US" sz="1400" spc="-1" strike="noStrike">
+                <a:solidFill>
+                  <a:srgbClr val="000000"/>
+                </a:solidFill>
+                <a:latin typeface="Courier New"/>
+                <a:ea typeface="DejaVu Sans"/>
+              </a:rPr>
+              <a:t>) and unsigned integers (</a:t>
+            </a:r>
+            <a:r>
+              <a:rPr b="1" lang="en-US" sz="1400" spc="-1" strike="noStrike">
+                <a:solidFill>
+                  <a:srgbClr val="000000"/>
+                </a:solidFill>
+                <a:latin typeface="Courier New"/>
+                <a:ea typeface="DejaVu Sans"/>
+              </a:rPr>
+              <a:t>UI1</a:t>
+            </a:r>
+            <a:r>
+              <a:rPr b="0" lang="en-US" sz="1400" spc="-1" strike="noStrike">
+                <a:solidFill>
+                  <a:srgbClr val="000000"/>
+                </a:solidFill>
+                <a:latin typeface="Courier New"/>
+                <a:ea typeface="DejaVu Sans"/>
+              </a:rPr>
+              <a:t>, </a:t>
+            </a:r>
+            <a:r>
+              <a:rPr b="1" lang="en-US" sz="1400" spc="-1" strike="noStrike">
+                <a:solidFill>
+                  <a:srgbClr val="000000"/>
+                </a:solidFill>
+                <a:latin typeface="Courier New"/>
+                <a:ea typeface="DejaVu Sans"/>
+              </a:rPr>
+              <a:t>UI2</a:t>
+            </a:r>
+            <a:r>
+              <a:rPr b="0" lang="en-US" sz="1400" spc="-1" strike="noStrike">
+                <a:solidFill>
+                  <a:srgbClr val="000000"/>
+                </a:solidFill>
+                <a:latin typeface="Courier New"/>
+                <a:ea typeface="DejaVu Sans"/>
+              </a:rPr>
+              <a:t>, </a:t>
+            </a:r>
+            <a:r>
+              <a:rPr b="1" lang="en-US" sz="1400" spc="-1" strike="noStrike">
+                <a:solidFill>
+                  <a:srgbClr val="000000"/>
+                </a:solidFill>
+                <a:latin typeface="Courier New"/>
+                <a:ea typeface="DejaVu Sans"/>
+              </a:rPr>
+              <a:t>UI4</a:t>
+            </a:r>
+            <a:r>
+              <a:rPr b="0" lang="en-US" sz="1400" spc="-1" strike="noStrike">
+                <a:solidFill>
+                  <a:srgbClr val="000000"/>
+                </a:solidFill>
+                <a:latin typeface="Courier New"/>
+                <a:ea typeface="DejaVu Sans"/>
+              </a:rPr>
+              <a:t>, and </a:t>
+            </a:r>
+            <a:r>
+              <a:rPr b="1" lang="en-US" sz="1400" spc="-1" strike="noStrike">
+                <a:solidFill>
+                  <a:srgbClr val="000000"/>
+                </a:solidFill>
+                <a:latin typeface="Courier New"/>
+                <a:ea typeface="DejaVu Sans"/>
+              </a:rPr>
+              <a:t>UI8</a:t>
+            </a:r>
+            <a:r>
+              <a:rPr b="0" lang="en-US" sz="1400" spc="-1" strike="noStrike">
+                <a:solidFill>
+                  <a:srgbClr val="000000"/>
+                </a:solidFill>
+                <a:latin typeface="Courier New"/>
+                <a:ea typeface="DejaVu Sans"/>
+              </a:rPr>
+              <a:t>).</a:t>
+            </a:r>
+            <a:endParaRPr b="0" lang="en-US" sz="1400" spc="-1" strike="noStrike">
+              <a:latin typeface="Courier New"/>
+            </a:endParaRPr>
+          </a:p>
+          <a:p>
+            <a:r>
+              <a:rPr b="0" lang="en-US" sz="1400" spc="-1" strike="noStrike">
+                <a:solidFill>
+                  <a:srgbClr val="000000"/>
+                </a:solidFill>
+                <a:latin typeface="Courier New"/>
+                <a:ea typeface="DejaVu Sans"/>
+              </a:rPr>
+              <a:t>* 16, 32, and 64-bit floating-point numbers (</a:t>
+            </a:r>
+            <a:r>
+              <a:rPr b="1" lang="en-US" sz="1400" spc="-1" strike="noStrike">
+                <a:solidFill>
+                  <a:srgbClr val="000000"/>
+                </a:solidFill>
+                <a:latin typeface="Courier New"/>
+                <a:ea typeface="DejaVu Sans"/>
+              </a:rPr>
+              <a:t>HLF</a:t>
+            </a:r>
+            <a:r>
+              <a:rPr b="0" lang="en-US" sz="1400" spc="-1" strike="noStrike">
+                <a:solidFill>
+                  <a:srgbClr val="000000"/>
+                </a:solidFill>
+                <a:latin typeface="Courier New"/>
+                <a:ea typeface="DejaVu Sans"/>
+              </a:rPr>
+              <a:t>, </a:t>
+            </a:r>
+            <a:r>
+              <a:rPr b="1" lang="en-US" sz="1400" spc="-1" strike="noStrike">
+                <a:solidFill>
+                  <a:srgbClr val="000000"/>
+                </a:solidFill>
+                <a:latin typeface="Courier New"/>
+                <a:ea typeface="DejaVu Sans"/>
+              </a:rPr>
+              <a:t>FLT</a:t>
+            </a:r>
+            <a:r>
+              <a:rPr b="0" lang="en-US" sz="1400" spc="-1" strike="noStrike">
+                <a:solidFill>
+                  <a:srgbClr val="000000"/>
+                </a:solidFill>
+                <a:latin typeface="Courier New"/>
+                <a:ea typeface="DejaVu Sans"/>
+              </a:rPr>
+              <a:t>, and </a:t>
+            </a:r>
+            <a:r>
+              <a:rPr b="1" lang="en-US" sz="1400" spc="-1" strike="noStrike">
+                <a:solidFill>
+                  <a:srgbClr val="000000"/>
+                </a:solidFill>
+                <a:latin typeface="Courier New"/>
+                <a:ea typeface="DejaVu Sans"/>
+              </a:rPr>
+              <a:t>DBL</a:t>
+            </a:r>
+            <a:r>
+              <a:rPr b="0" lang="en-US" sz="1400" spc="-1" strike="noStrike">
+                <a:solidFill>
+                  <a:srgbClr val="000000"/>
+                </a:solidFill>
+                <a:latin typeface="Courier New"/>
+                <a:ea typeface="DejaVu Sans"/>
+              </a:rPr>
+              <a:t>).</a:t>
+            </a:r>
+            <a:endParaRPr b="0" lang="en-US" sz="1400" spc="-1" strike="noStrike">
+              <a:latin typeface="Courier New"/>
+            </a:endParaRPr>
+          </a:p>
+          <a:p>
+            <a:r>
+              <a:rPr b="0" lang="en-US" sz="1400" spc="-1" strike="noStrike">
+                <a:solidFill>
+                  <a:srgbClr val="000000"/>
+                </a:solidFill>
+                <a:latin typeface="Courier New"/>
+                <a:ea typeface="DejaVu Sans"/>
+              </a:rPr>
+              <a:t>* 32-bit Unix timestamps and 64-bit Microsecond Timestamps (</a:t>
+            </a:r>
+            <a:r>
+              <a:rPr b="1" lang="en-US" sz="1400" spc="-1" strike="noStrike">
+                <a:solidFill>
+                  <a:srgbClr val="000000"/>
+                </a:solidFill>
+                <a:latin typeface="Courier New"/>
+                <a:ea typeface="DejaVu Sans"/>
+              </a:rPr>
+              <a:t>TMS</a:t>
+            </a:r>
+            <a:r>
+              <a:rPr b="0" lang="en-US" sz="1400" spc="-1" strike="noStrike">
+                <a:solidFill>
+                  <a:srgbClr val="000000"/>
+                </a:solidFill>
+                <a:latin typeface="Courier New"/>
+                <a:ea typeface="DejaVu Sans"/>
+              </a:rPr>
+              <a:t> and </a:t>
+            </a:r>
+            <a:r>
+              <a:rPr b="1" lang="en-US" sz="1400" spc="-1" strike="noStrike">
+                <a:solidFill>
+                  <a:srgbClr val="000000"/>
+                </a:solidFill>
+                <a:latin typeface="Courier New"/>
+                <a:ea typeface="DejaVu Sans"/>
+              </a:rPr>
+              <a:t>TMU</a:t>
+            </a:r>
+            <a:r>
+              <a:rPr b="0" lang="en-US" sz="1400" spc="-1" strike="noStrike">
+                <a:solidFill>
+                  <a:srgbClr val="000000"/>
+                </a:solidFill>
+                <a:latin typeface="Courier New"/>
+                <a:ea typeface="DejaVu Sans"/>
+              </a:rPr>
+              <a:t>).</a:t>
+            </a:r>
+            <a:endParaRPr b="0" lang="en-US" sz="1400" spc="-1" strike="noStrike">
+              <a:latin typeface="Courier New"/>
+            </a:endParaRPr>
+          </a:p>
+          <a:p>
+            <a:r>
+              <a:rPr b="0" lang="en-US" sz="1400" spc="-1" strike="noStrike">
+                <a:solidFill>
+                  <a:srgbClr val="000000"/>
+                </a:solidFill>
+                <a:latin typeface="Courier New"/>
+                <a:ea typeface="DejaVu Sans"/>
+              </a:rPr>
+              <a:t>* Compressed integers called Signed Varints (</a:t>
+            </a:r>
+            <a:r>
+              <a:rPr b="1" lang="en-US" sz="1400" spc="-1" strike="noStrike">
+                <a:solidFill>
+                  <a:srgbClr val="000000"/>
+                </a:solidFill>
+                <a:latin typeface="Courier New"/>
+                <a:ea typeface="DejaVu Sans"/>
+              </a:rPr>
+              <a:t>SV2</a:t>
+            </a:r>
+            <a:r>
+              <a:rPr b="0" lang="en-US" sz="1400" spc="-1" strike="noStrike">
+                <a:solidFill>
+                  <a:srgbClr val="000000"/>
+                </a:solidFill>
+                <a:latin typeface="Courier New"/>
+                <a:ea typeface="DejaVu Sans"/>
+              </a:rPr>
+              <a:t>, </a:t>
+            </a:r>
+            <a:r>
+              <a:rPr b="1" lang="en-US" sz="1400" spc="-1" strike="noStrike">
+                <a:solidFill>
+                  <a:srgbClr val="000000"/>
+                </a:solidFill>
+                <a:latin typeface="Courier New"/>
+                <a:ea typeface="DejaVu Sans"/>
+              </a:rPr>
+              <a:t>SV4</a:t>
+            </a:r>
+            <a:r>
+              <a:rPr b="0" lang="en-US" sz="1400" spc="-1" strike="noStrike">
+                <a:solidFill>
+                  <a:srgbClr val="000000"/>
+                </a:solidFill>
+                <a:latin typeface="Courier New"/>
+                <a:ea typeface="DejaVu Sans"/>
+              </a:rPr>
+              <a:t>, and </a:t>
+            </a:r>
+            <a:r>
+              <a:rPr b="1" lang="en-US" sz="1400" spc="-1" strike="noStrike">
+                <a:solidFill>
+                  <a:srgbClr val="000000"/>
+                </a:solidFill>
+                <a:latin typeface="Courier New"/>
+                <a:ea typeface="DejaVu Sans"/>
+              </a:rPr>
+              <a:t>SV8</a:t>
+            </a:r>
+            <a:r>
+              <a:rPr b="0" lang="en-US" sz="1400" spc="-1" strike="noStrike">
+                <a:solidFill>
+                  <a:srgbClr val="000000"/>
+                </a:solidFill>
+                <a:latin typeface="Courier New"/>
+                <a:ea typeface="DejaVu Sans"/>
+              </a:rPr>
+              <a:t>) and Unsigned Varints (</a:t>
+            </a:r>
+            <a:r>
+              <a:rPr b="1" lang="en-US" sz="1400" spc="-1" strike="noStrike">
+                <a:solidFill>
+                  <a:srgbClr val="000000"/>
+                </a:solidFill>
+                <a:latin typeface="Courier New"/>
+                <a:ea typeface="DejaVu Sans"/>
+              </a:rPr>
+              <a:t>UV2</a:t>
+            </a:r>
+            <a:r>
+              <a:rPr b="0" lang="en-US" sz="1400" spc="-1" strike="noStrike">
+                <a:solidFill>
+                  <a:srgbClr val="000000"/>
+                </a:solidFill>
+                <a:latin typeface="Courier New"/>
+                <a:ea typeface="DejaVu Sans"/>
+              </a:rPr>
+              <a:t>, </a:t>
+            </a:r>
+            <a:r>
+              <a:rPr b="1" lang="en-US" sz="1400" spc="-1" strike="noStrike">
+                <a:solidFill>
+                  <a:srgbClr val="000000"/>
+                </a:solidFill>
+                <a:latin typeface="Courier New"/>
+                <a:ea typeface="DejaVu Sans"/>
+              </a:rPr>
+              <a:t>UV4</a:t>
+            </a:r>
+            <a:r>
+              <a:rPr b="0" lang="en-US" sz="1400" spc="-1" strike="noStrike">
+                <a:solidFill>
+                  <a:srgbClr val="000000"/>
+                </a:solidFill>
+                <a:latin typeface="Courier New"/>
+                <a:ea typeface="DejaVu Sans"/>
+              </a:rPr>
+              <a:t>, and </a:t>
+            </a:r>
+            <a:r>
+              <a:rPr b="1" lang="en-US" sz="1400" spc="-1" strike="noStrike">
+                <a:solidFill>
+                  <a:srgbClr val="000000"/>
+                </a:solidFill>
+                <a:latin typeface="Courier New"/>
+                <a:ea typeface="DejaVu Sans"/>
+              </a:rPr>
+              <a:t>UV8</a:t>
+            </a:r>
+            <a:r>
+              <a:rPr b="0" lang="en-US" sz="1400" spc="-1" strike="noStrike">
+                <a:solidFill>
+                  <a:srgbClr val="000000"/>
+                </a:solidFill>
+                <a:latin typeface="Courier New"/>
+                <a:ea typeface="DejaVu Sans"/>
+              </a:rPr>
+              <a:t>).</a:t>
+            </a:r>
+            <a:endParaRPr b="0" lang="en-US" sz="1400" spc="-1" strike="noStrike">
+              <a:latin typeface="Courier New"/>
+            </a:endParaRPr>
+          </a:p>
+          <a:p>
+            <a:r>
+              <a:rPr b="0" lang="en-US" sz="1400" spc="-1" strike="noStrike">
+                <a:solidFill>
+                  <a:srgbClr val="000000"/>
+                </a:solidFill>
+                <a:latin typeface="Courier New"/>
+                <a:ea typeface="DejaVu Sans"/>
+              </a:rPr>
+              <a:t>* Standard data types Ordered and Unordered Maps of Id-TType-Value (</a:t>
+            </a:r>
+            <a:r>
+              <a:rPr b="1" lang="en-US" sz="1400" spc="-1" strike="noStrike">
+                <a:solidFill>
+                  <a:srgbClr val="000000"/>
+                </a:solidFill>
+                <a:latin typeface="Courier New"/>
+                <a:ea typeface="DejaVu Sans"/>
+              </a:rPr>
+              <a:t>MAP</a:t>
+            </a:r>
+            <a:r>
+              <a:rPr b="0" lang="en-US" sz="1400" spc="-1" strike="noStrike">
+                <a:solidFill>
+                  <a:srgbClr val="000000"/>
+                </a:solidFill>
+                <a:latin typeface="Courier New"/>
+                <a:ea typeface="DejaVu Sans"/>
+              </a:rPr>
+              <a:t>) and Key-TType-Value Tuples (</a:t>
+            </a:r>
+            <a:r>
+              <a:rPr b="1" lang="en-US" sz="1400" spc="-1" strike="noStrike">
+                <a:solidFill>
+                  <a:srgbClr val="000000"/>
+                </a:solidFill>
+                <a:latin typeface="Courier New"/>
+                <a:ea typeface="DejaVu Sans"/>
+              </a:rPr>
+              <a:t>BOK</a:t>
+            </a:r>
+            <a:r>
+              <a:rPr b="0" lang="en-US" sz="1400" spc="-1" strike="noStrike">
+                <a:solidFill>
+                  <a:srgbClr val="000000"/>
+                </a:solidFill>
+                <a:latin typeface="Courier New"/>
+                <a:ea typeface="DejaVu Sans"/>
+              </a:rPr>
+              <a:t> and </a:t>
+            </a:r>
+            <a:r>
+              <a:rPr b="1" lang="en-US" sz="1400" spc="-1" strike="noStrike">
+                <a:solidFill>
+                  <a:srgbClr val="000000"/>
+                </a:solidFill>
+                <a:latin typeface="Courier New"/>
+                <a:ea typeface="DejaVu Sans"/>
+              </a:rPr>
+              <a:t>BAG</a:t>
+            </a:r>
+            <a:r>
+              <a:rPr b="0" lang="en-US" sz="1400" spc="-1" strike="noStrike">
+                <a:solidFill>
+                  <a:srgbClr val="000000"/>
+                </a:solidFill>
+                <a:latin typeface="Courier New"/>
+                <a:ea typeface="DejaVu Sans"/>
+              </a:rPr>
+              <a:t>    </a:t>
+            </a:r>
+            <a:endParaRPr b="0" lang="en-US" sz="1400" spc="-1" strike="noStrike">
+              <a:latin typeface="Courier New"/>
+            </a:endParaRPr>
+          </a:p>
+          <a:p>
+            <a:r>
+              <a:rPr b="0" lang="en-US" sz="1400" spc="-1" strike="noStrike">
+                <a:solidFill>
+                  <a:srgbClr val="000000"/>
+                </a:solidFill>
+                <a:latin typeface="Courier New"/>
+                <a:ea typeface="DejaVu Sans"/>
+              </a:rPr>
+              <a:t>  </a:t>
+            </a:r>
+            <a:r>
+              <a:rPr b="0" lang="en-US" sz="1400" spc="-1" strike="noStrike">
+                <a:solidFill>
+                  <a:srgbClr val="000000"/>
+                </a:solidFill>
+                <a:latin typeface="Courier New"/>
+                <a:ea typeface="DejaVu Sans"/>
+              </a:rPr>
+              <a:t>respectively</a:t>
+            </a:r>
+            <a:r>
+              <a:rPr b="1" lang="en-US" sz="1400" spc="-1" strike="noStrike">
+                <a:solidFill>
+                  <a:srgbClr val="000000"/>
+                </a:solidFill>
+                <a:latin typeface="Courier New"/>
+                <a:ea typeface="DejaVu Sans"/>
+              </a:rPr>
+              <a:t>)</a:t>
+            </a:r>
+            <a:r>
+              <a:rPr b="0" lang="en-US" sz="1400" spc="-1" strike="noStrike">
+                <a:solidFill>
+                  <a:srgbClr val="000000"/>
+                </a:solidFill>
+                <a:latin typeface="Courier New"/>
+                <a:ea typeface="DejaVu Sans"/>
+              </a:rPr>
+              <a:t>, and Lists of Type-Value Tuples (</a:t>
+            </a:r>
+            <a:r>
+              <a:rPr b="1" lang="en-US" sz="1400" spc="-1" strike="noStrike">
+                <a:solidFill>
+                  <a:srgbClr val="000000"/>
+                </a:solidFill>
+                <a:latin typeface="Courier New"/>
+                <a:ea typeface="DejaVu Sans"/>
+              </a:rPr>
+              <a:t>LST</a:t>
+            </a:r>
+            <a:r>
+              <a:rPr b="0" lang="en-US" sz="1400" spc="-1" strike="noStrike">
+                <a:solidFill>
+                  <a:srgbClr val="000000"/>
+                </a:solidFill>
+                <a:latin typeface="Courier New"/>
+                <a:ea typeface="DejaVu Sans"/>
+              </a:rPr>
+              <a:t>).</a:t>
+            </a:r>
+            <a:endParaRPr b="0" lang="en-US" sz="1400" spc="-1" strike="noStrike">
+              <a:latin typeface="Courier New"/>
+            </a:endParaRPr>
+          </a:p>
+          <a:p>
+            <a:r>
+              <a:rPr b="0" lang="en-US" sz="1400" spc="-1" strike="noStrike">
+                <a:solidFill>
+                  <a:srgbClr val="000000"/>
+                </a:solidFill>
+                <a:latin typeface="Courier New"/>
+                <a:ea typeface="DejaVu Sans"/>
+              </a:rPr>
+              <a:t>* Multi-dimensional c-style arrays and std::vector style Stacks can be created of any number or timestamp.</a:t>
+            </a:r>
+            <a:endParaRPr b="0" lang="en-US" sz="1400" spc="-1" strike="noStrike">
+              <a:latin typeface="Courier New"/>
+            </a:endParaRPr>
+          </a:p>
+          <a:p>
+            <a:r>
+              <a:rPr b="0" lang="en-US" sz="1400" spc="-1" strike="noStrike">
+                <a:solidFill>
+                  <a:srgbClr val="000000"/>
+                </a:solidFill>
+                <a:latin typeface="Courier New"/>
+                <a:ea typeface="DejaVu Sans"/>
+              </a:rPr>
+              <a:t>* Generic Object (</a:t>
+            </a:r>
+            <a:r>
+              <a:rPr b="1" lang="en-US" sz="1400" spc="-1" strike="noStrike">
+                <a:solidFill>
+                  <a:srgbClr val="000000"/>
+                </a:solidFill>
+                <a:latin typeface="Courier New"/>
+                <a:ea typeface="DejaVu Sans"/>
+              </a:rPr>
+              <a:t>OBJ</a:t>
+            </a:r>
+            <a:r>
+              <a:rPr b="0" lang="en-US" sz="1400" spc="-1" strike="noStrike">
+                <a:solidFill>
+                  <a:srgbClr val="000000"/>
+                </a:solidFill>
+                <a:latin typeface="Courier New"/>
+                <a:ea typeface="DejaVu Sans"/>
+              </a:rPr>
+              <a:t>) used to store and transceive any object type with 8, 16, 32, or 64-bit widths.</a:t>
+            </a:r>
+            <a:endParaRPr b="0" lang="en-US" sz="1400" spc="-1" strike="noStrike">
+              <a:latin typeface="Courier New"/>
+            </a:endParaRPr>
+          </a:p>
+          <a:p>
+            <a:r>
+              <a:rPr b="0" lang="en-US" sz="1400" spc="-1" strike="noStrike">
+                <a:solidFill>
+                  <a:srgbClr val="000000"/>
+                </a:solidFill>
+                <a:latin typeface="Courier New"/>
+                <a:ea typeface="DejaVu Sans"/>
+              </a:rPr>
+              <a:t>* Observer (</a:t>
+            </a:r>
+            <a:r>
+              <a:rPr b="1" lang="en-US" sz="1400" spc="-1" strike="noStrike">
+                <a:solidFill>
+                  <a:srgbClr val="000000"/>
+                </a:solidFill>
+                <a:latin typeface="Courier New"/>
+                <a:ea typeface="DejaVu Sans"/>
+              </a:rPr>
+              <a:t>OBV</a:t>
+            </a:r>
+            <a:r>
+              <a:rPr b="0" lang="en-US" sz="1400" spc="-1" strike="noStrike">
+                <a:solidFill>
+                  <a:srgbClr val="000000"/>
+                </a:solidFill>
+                <a:latin typeface="Courier New"/>
+                <a:ea typeface="DejaVu Sans"/>
+              </a:rPr>
+              <a:t>) object used to update observers of state changes and hot-swap data out of page-aligned caches.</a:t>
+            </a:r>
+            <a:endParaRPr b="0" lang="en-US" sz="1400" spc="-1" strike="noStrike">
+              <a:latin typeface="Courier New"/>
+            </a:endParaRPr>
+          </a:p>
+          <a:p>
+            <a:endParaRPr b="0" lang="en-US" sz="1400" spc="-1" strike="noStrike">
+              <a:latin typeface="Courier New"/>
+            </a:endParaRPr>
+          </a:p>
+          <a:p>
+            <a:r>
+              <a:rPr b="1" lang="en-US" sz="2400" spc="-1" strike="noStrike">
+                <a:solidFill>
+                  <a:srgbClr val="000000"/>
+                </a:solidFill>
+                <a:latin typeface="Courier New"/>
+                <a:ea typeface="DejaVu Sans"/>
+              </a:rPr>
+              <a:t>A*B Operations      =      Local and Remote Procedure Call Interface</a:t>
+            </a:r>
+            <a:endParaRPr b="0" lang="en-US" sz="2400" spc="-1" strike="noStrike">
+              <a:latin typeface="Courier New"/>
+            </a:endParaRPr>
+          </a:p>
+          <a:p>
+            <a:br/>
+            <a:r>
+              <a:rPr b="1" lang="en-US" sz="1400" spc="-1" strike="noStrike">
+                <a:solidFill>
+                  <a:srgbClr val="000000"/>
+                </a:solidFill>
+                <a:latin typeface="Courier New"/>
+                <a:ea typeface="DejaVu Sans"/>
+              </a:rPr>
+              <a:t>+----------- Result: The same set of states   /</a:t>
+            </a:r>
+            <a:r>
+              <a:rPr b="1" i="1" lang="en-US" sz="1400" spc="-1" strike="noStrike">
+                <a:solidFill>
+                  <a:srgbClr val="000000"/>
+                </a:solidFill>
+                <a:latin typeface="Courier New"/>
+                <a:ea typeface="DejaVu Sans"/>
+              </a:rPr>
+              <a:t>** All script Local an</a:t>
+            </a:r>
+            <a:r>
+              <a:rPr b="1" i="1" lang="en-US" sz="1400" spc="-1" strike="noStrike">
+                <a:solidFill>
+                  <a:srgbClr val="000000"/>
+                </a:solidFill>
+                <a:latin typeface="Courier New"/>
+                <a:ea typeface="DejaVu Sans"/>
+              </a:rPr>
+              <a:t>d</a:t>
+            </a:r>
+            <a:r>
+              <a:rPr b="1" i="1" lang="en-US" sz="1400" spc="-1" strike="noStrike">
+                <a:solidFill>
+                  <a:srgbClr val="000000"/>
+                </a:solidFill>
+                <a:latin typeface="Courier New"/>
+                <a:ea typeface="DejaVu Sans"/>
+              </a:rPr>
+              <a:t> Remote Operations use a single RPC function. *</a:t>
+            </a:r>
+            <a:r>
+              <a:rPr b="1" lang="en-US" sz="1400" spc="-1" strike="noStrike">
+                <a:solidFill>
+                  <a:srgbClr val="000000"/>
+                </a:solidFill>
+                <a:latin typeface="Courier New"/>
+                <a:ea typeface="DejaVu Sans"/>
+              </a:rPr>
+              <a:t>/</a:t>
+            </a:r>
+            <a:endParaRPr b="0" lang="en-US" sz="1400" spc="-1" strike="noStrike">
+              <a:latin typeface="Courier New"/>
+            </a:endParaRPr>
+          </a:p>
+          <a:p>
+            <a:r>
+              <a:rPr b="1" lang="en-US" sz="1400" spc="-1" strike="noStrike">
+                <a:solidFill>
+                  <a:srgbClr val="000000"/>
+                </a:solidFill>
+                <a:latin typeface="Courier New"/>
+                <a:ea typeface="DejaVu Sans"/>
+              </a:rPr>
+              <a:t>| +--------- Operation                        </a:t>
+            </a:r>
+            <a:r>
+              <a:rPr b="1" lang="en-US" sz="1400" spc="-1" strike="noStrike">
+                <a:solidFill>
+                  <a:srgbClr val="000000"/>
+                </a:solidFill>
+                <a:latin typeface="Courier New"/>
+                <a:ea typeface="DejaVu Sans"/>
+              </a:rPr>
+              <a:t>struct Operand {</a:t>
+            </a:r>
+            <a:endParaRPr b="0" lang="en-US" sz="1400" spc="-1" strike="noStrike">
+              <a:latin typeface="Courier New"/>
+            </a:endParaRPr>
+          </a:p>
+          <a:p>
+            <a:r>
+              <a:rPr b="1" lang="en-US" sz="1400" spc="-1" strike="noStrike">
+                <a:solidFill>
+                  <a:srgbClr val="000000"/>
+                </a:solidFill>
+                <a:latin typeface="Courier New"/>
+                <a:ea typeface="DejaVu Sans"/>
+              </a:rPr>
+              <a:t>| | +------- Set of states                        </a:t>
+            </a:r>
+            <a:r>
+              <a:rPr b="1" lang="en-US" sz="1400" spc="-1" strike="noStrike">
+                <a:solidFill>
+                  <a:srgbClr val="000000"/>
+                </a:solidFill>
+                <a:latin typeface="Courier New"/>
+                <a:ea typeface="DejaVu Sans"/>
+              </a:rPr>
+              <a:t>/** An A*B abstract algebra Script Expression</a:t>
+            </a:r>
+            <a:endParaRPr b="0" lang="en-US" sz="1400" spc="-1" strike="noStrike">
+              <a:latin typeface="Courier New"/>
+            </a:endParaRPr>
+          </a:p>
+          <a:p>
+            <a:r>
+              <a:rPr b="1" lang="en-US" sz="1400" spc="-1" strike="noStrike">
+                <a:solidFill>
+                  <a:srgbClr val="000000"/>
+                </a:solidFill>
+                <a:latin typeface="Courier New"/>
+                <a:ea typeface="DejaVu Sans"/>
+              </a:rPr>
+              <a:t>| | | +----- Star Operation                           </a:t>
+            </a:r>
+            <a:r>
+              <a:rPr b="1" lang="en-US" sz="1400" spc="-1" strike="noStrike">
+                <a:solidFill>
+                  <a:srgbClr val="000000"/>
+                </a:solidFill>
+                <a:latin typeface="Courier New"/>
+                <a:ea typeface="DejaVu Sans"/>
+              </a:rPr>
+              <a:t>@param index The index of the Operation.</a:t>
+            </a:r>
+            <a:endParaRPr b="0" lang="en-US" sz="1400" spc="-1" strike="noStrike">
+              <a:latin typeface="Courier New"/>
+            </a:endParaRPr>
+          </a:p>
+          <a:p>
+            <a:r>
+              <a:rPr b="1" lang="en-US" sz="1400" spc="-1" strike="noStrike">
+                <a:solidFill>
+                  <a:srgbClr val="000000"/>
+                </a:solidFill>
+                <a:latin typeface="Courier New"/>
+                <a:ea typeface="DejaVu Sans"/>
+              </a:rPr>
+              <a:t>| | | | +--- Operands (input values)                  </a:t>
+            </a:r>
+            <a:r>
+              <a:rPr b="1" lang="en-US" sz="1400" spc="-1" strike="noStrike">
+                <a:solidFill>
+                  <a:srgbClr val="000000"/>
+                </a:solidFill>
+                <a:latin typeface="Courier New"/>
+                <a:ea typeface="DejaVu Sans"/>
+              </a:rPr>
+              <a:t>@param io    The Bin for the IO slot.</a:t>
+            </a:r>
+            <a:endParaRPr b="0" lang="en-US" sz="1400" spc="-1" strike="noStrike">
+              <a:latin typeface="Courier New"/>
+            </a:endParaRPr>
+          </a:p>
+          <a:p>
+            <a:r>
+              <a:rPr b="1" lang="en-US" sz="1400" spc="-1" strike="noStrike">
+                <a:solidFill>
+                  <a:srgbClr val="000000"/>
+                </a:solidFill>
+                <a:latin typeface="Courier New"/>
+                <a:ea typeface="DejaVu Sans"/>
+              </a:rPr>
+              <a:t>| | | | |                                             </a:t>
+            </a:r>
+            <a:r>
+              <a:rPr b="1" lang="en-US" sz="1400" spc="-1" strike="noStrike">
+                <a:solidFill>
+                  <a:srgbClr val="000000"/>
+                </a:solidFill>
+                <a:latin typeface="Courier New"/>
+                <a:ea typeface="DejaVu Sans"/>
+              </a:rPr>
+              <a:t>@return      Returns an Operation Header or null upon success, or </a:t>
+            </a:r>
+            <a:endParaRPr b="0" lang="en-US" sz="1400" spc="-1" strike="noStrike">
+              <a:latin typeface="Courier New"/>
+            </a:endParaRPr>
+          </a:p>
+          <a:p>
+            <a:r>
+              <a:rPr b="1" lang="en-US" sz="1400" spc="-1" strike="noStrike">
+                <a:solidFill>
+                  <a:srgbClr val="000000"/>
+                </a:solidFill>
+                <a:latin typeface="Courier New"/>
+                <a:ea typeface="DejaVu Sans"/>
+              </a:rPr>
+              <a:t>v v v v v                                                          an </a:t>
+            </a:r>
+            <a:r>
+              <a:rPr b="1" lang="en-US" sz="1400" spc="-1" strike="noStrike">
+                <a:solidFill>
+                  <a:srgbClr val="000000"/>
+                </a:solidFill>
+                <a:latin typeface="Courier New"/>
+                <a:ea typeface="DejaVu Sans"/>
+              </a:rPr>
+              <a:t>Error Evaluation upon failure. */</a:t>
+            </a:r>
+            <a:endParaRPr b="0" lang="en-US" sz="1400" spc="-1" strike="noStrike">
+              <a:latin typeface="Courier New"/>
+            </a:endParaRPr>
+          </a:p>
+          <a:p>
+            <a:r>
+              <a:rPr b="1" lang="en-US" sz="1400" spc="-1" strike="noStrike">
+                <a:solidFill>
+                  <a:srgbClr val="000000"/>
+                </a:solidFill>
+                <a:latin typeface="Courier New"/>
+                <a:ea typeface="DejaVu Sans"/>
+              </a:rPr>
+              <a:t>A = A * B                                         </a:t>
+            </a:r>
+            <a:r>
+              <a:rPr b="1" lang="en-US" sz="1400" spc="-1" strike="noStrike">
+                <a:solidFill>
+                  <a:srgbClr val="000000"/>
+                </a:solidFill>
+                <a:latin typeface="Courier New"/>
+                <a:ea typeface="DejaVu Sans"/>
+              </a:rPr>
+              <a:t>virtual const Operation* Star (char_t index, Expression* expr) = 0;</a:t>
+            </a:r>
+            <a:endParaRPr b="0" lang="en-US" sz="1400" spc="-1" strike="noStrike">
+              <a:latin typeface="Courier New"/>
+            </a:endParaRPr>
+          </a:p>
+          <a:p>
+            <a:r>
+              <a:rPr b="1" lang="en-US" sz="1400" spc="-1" strike="noStrike">
+                <a:solidFill>
+                  <a:srgbClr val="000000"/>
+                </a:solidFill>
+                <a:latin typeface="Courier New"/>
+                <a:ea typeface="DejaVu Sans"/>
+              </a:rPr>
+              <a:t>    </a:t>
+            </a:r>
+            <a:r>
+              <a:rPr b="1" lang="en-US" sz="1400" spc="-1" strike="noStrike">
+                <a:solidFill>
+                  <a:srgbClr val="000000"/>
+                </a:solidFill>
+                <a:latin typeface="Courier New"/>
+                <a:ea typeface="DejaVu Sans"/>
+              </a:rPr>
+              <a:t>|&lt;-&gt;|   Operation                         };</a:t>
+            </a:r>
+            <a:endParaRPr b="0" lang="en-US" sz="1400" spc="-1" strike="noStrike">
+              <a:latin typeface="Courier New"/>
+            </a:endParaRPr>
+          </a:p>
+          <a:p>
+            <a:r>
+              <a:rPr b="1" lang="en-US" sz="1400" spc="-1" strike="noStrike">
+                <a:solidFill>
+                  <a:srgbClr val="000000"/>
+                </a:solidFill>
+                <a:latin typeface="Courier New"/>
+                <a:ea typeface="DejaVu Sans"/>
+              </a:rPr>
+              <a:t>|&lt;-----&gt;|   Evaluation                        </a:t>
+            </a:r>
+            <a:br/>
+            <a:br/>
+            <a:r>
+              <a:rPr b="1" lang="en-US" sz="2400" spc="-1" strike="noStrike">
+                <a:solidFill>
+                  <a:srgbClr val="000000"/>
+                </a:solidFill>
+                <a:latin typeface="Courier New"/>
+                <a:ea typeface="DejaVu Sans"/>
+              </a:rPr>
+              <a:t>B-Sequences</a:t>
+            </a:r>
+            <a:br/>
+            <a:r>
+              <a:rPr b="1" lang="en-US" sz="2400" spc="-1" strike="noStrike">
+                <a:solidFill>
+                  <a:srgbClr val="000000"/>
+                </a:solidFill>
+                <a:latin typeface="Courier New"/>
+                <a:ea typeface="DejaVu Sans"/>
+              </a:rPr>
+              <a:t>A=(A*B)(A</a:t>
+            </a:r>
+            <a:r>
+              <a:rPr b="1" lang="en-US" sz="2400" spc="-1" strike="noStrike" baseline="33000">
+                <a:solidFill>
+                  <a:srgbClr val="000000"/>
+                </a:solidFill>
+                <a:latin typeface="Courier New"/>
+                <a:ea typeface="DejaVu Sans"/>
+              </a:rPr>
+              <a:t>-1</a:t>
+            </a:r>
+            <a:r>
+              <a:rPr b="1" lang="en-US" sz="2400" spc="-1" strike="noStrike">
+                <a:solidFill>
+                  <a:srgbClr val="000000"/>
+                </a:solidFill>
+                <a:latin typeface="Courier New"/>
+                <a:ea typeface="DejaVu Sans"/>
+              </a:rPr>
+              <a:t>)</a:t>
+            </a:r>
+            <a:br/>
+            <a:br/>
+            <a:br/>
+            <a:endParaRPr b="0" lang="en-US" sz="2400" spc="-1" strike="noStrike">
+              <a:latin typeface="Courier New"/>
+            </a:endParaRPr>
+          </a:p>
+        </p:txBody>
+      </p:sp>
+      <p:sp>
+        <p:nvSpPr>
+          <p:cNvPr id="50" name="CustomShape 11"/>
+          <p:cNvSpPr/>
+          <p:nvPr/>
+        </p:nvSpPr>
+        <p:spPr>
+          <a:xfrm>
+            <a:off x="16185600" y="19385280"/>
+            <a:ext cx="3931200" cy="822240"/>
+          </a:xfrm>
+          <a:prstGeom prst="rect">
+            <a:avLst/>
+          </a:prstGeom>
+          <a:noFill/>
+          <a:ln>
+            <a:noFill/>
+          </a:ln>
+        </p:spPr>
+        <p:style>
+          <a:lnRef idx="0"/>
+          <a:fillRef idx="0"/>
+          <a:effectRef idx="0"/>
+          <a:fontRef idx="minor"/>
+        </p:style>
+        <p:txBody>
+          <a:bodyPr lIns="90000" rIns="90000" tIns="45000" bIns="45000"/>
+          <a:p>
+            <a:r>
+              <a:rPr b="1" lang="en-US" sz="4000" spc="-1" strike="noStrike">
+                <a:solidFill>
+                  <a:srgbClr val="000000"/>
+                </a:solidFill>
+                <a:latin typeface="Courier New"/>
+                <a:ea typeface="DejaVu Sans"/>
+              </a:rPr>
+              <a:t>Applications</a:t>
+            </a:r>
+            <a:endParaRPr b="0" lang="en-US" sz="4000" spc="-1" strike="noStrike">
+              <a:latin typeface="Arial"/>
+            </a:endParaRPr>
+          </a:p>
+        </p:txBody>
+      </p:sp>
+      <p:sp>
+        <p:nvSpPr>
+          <p:cNvPr id="51" name="CustomShape 12"/>
+          <p:cNvSpPr/>
+          <p:nvPr/>
+        </p:nvSpPr>
+        <p:spPr>
+          <a:xfrm>
+            <a:off x="429120" y="12984480"/>
+            <a:ext cx="13286880" cy="3474720"/>
+          </a:xfrm>
+          <a:prstGeom prst="rect">
+            <a:avLst/>
+          </a:prstGeom>
+          <a:noFill/>
+          <a:ln>
+            <a:noFill/>
+          </a:ln>
+        </p:spPr>
+        <p:style>
+          <a:lnRef idx="0"/>
+          <a:fillRef idx="0"/>
+          <a:effectRef idx="0"/>
+          <a:fontRef idx="minor"/>
+        </p:style>
+        <p:txBody>
+          <a:bodyPr lIns="90000" rIns="90000" tIns="45000" bIns="45000"/>
+          <a:p>
+            <a:r>
+              <a:rPr b="1" lang="en-US" sz="4000" spc="-1" strike="noStrike">
+                <a:solidFill>
+                  <a:srgbClr val="000000"/>
+                </a:solidFill>
+                <a:latin typeface="Courier New"/>
+                <a:ea typeface="DejaVu Sans"/>
+              </a:rPr>
+              <a:t>Room Construction</a:t>
+            </a:r>
+            <a:r>
+              <a:rPr b="0" lang="en-US" sz="1400" spc="-1" strike="noStrike">
+                <a:solidFill>
+                  <a:srgbClr val="000000"/>
+                </a:solidFill>
+                <a:latin typeface="Courier New"/>
+                <a:ea typeface="DejaVu Sans"/>
+              </a:rPr>
+              <a:t>      Each Chine</a:t>
+            </a:r>
+            <a:r>
+              <a:rPr b="0" lang="en-US" sz="1400" spc="-1" strike="noStrike">
+                <a:solidFill>
+                  <a:srgbClr val="000000"/>
+                </a:solidFill>
+                <a:latin typeface="Courier New"/>
+                <a:ea typeface="DejaVu Sans"/>
+              </a:rPr>
+              <a:t>se Room gets a Unique Key that uses a standard hash function to map the unique key to the Door. Each Room</a:t>
+            </a:r>
+            <a:r>
+              <a:rPr b="0" lang="en-US" sz="1400" spc="-1" strike="noStrike">
+                <a:solidFill>
+                  <a:srgbClr val="000000"/>
+                </a:solidFill>
+                <a:latin typeface="Courier New"/>
+                <a:ea typeface="DejaVu Sans"/>
+              </a:rPr>
+              <a:t> </a:t>
+            </a:r>
+            <a:r>
+              <a:rPr b="0" lang="en-US" sz="1400" spc="-1" strike="noStrike">
+                <a:solidFill>
+                  <a:srgbClr val="000000"/>
+                </a:solidFill>
+                <a:latin typeface="Courier New"/>
+                <a:ea typeface="DejaVu Sans"/>
+              </a:rPr>
+              <a:t>is an the root-level </a:t>
+            </a:r>
+            <a:r>
+              <a:rPr b="1" lang="en-US" sz="1400" spc="-1" strike="noStrike">
+                <a:solidFill>
+                  <a:srgbClr val="000000"/>
+                </a:solidFill>
+                <a:latin typeface="Courier New"/>
+                <a:ea typeface="DejaVu Sans"/>
+              </a:rPr>
+              <a:t>A</a:t>
+            </a:r>
+            <a:r>
+              <a:rPr b="0" lang="en-US" sz="1400" spc="-1" strike="noStrike">
+                <a:solidFill>
+                  <a:srgbClr val="000000"/>
+                </a:solidFill>
+                <a:latin typeface="Courier New"/>
+                <a:ea typeface="DejaVu Sans"/>
+              </a:rPr>
+              <a:t> in the </a:t>
+            </a:r>
+            <a:r>
+              <a:rPr b="1" lang="en-US" sz="1400" spc="-1" strike="noStrike">
+                <a:solidFill>
+                  <a:srgbClr val="000000"/>
+                </a:solidFill>
+                <a:latin typeface="Courier New"/>
+                <a:ea typeface="DejaVu Sans"/>
+              </a:rPr>
+              <a:t>A*B Operation</a:t>
+            </a:r>
+            <a:r>
+              <a:rPr b="0" lang="en-US" sz="1400" spc="-1" strike="noStrike">
+                <a:solidFill>
+                  <a:srgbClr val="000000"/>
+                </a:solidFill>
+                <a:latin typeface="Courier New"/>
+                <a:ea typeface="DejaVu Sans"/>
+              </a:rPr>
+              <a:t> that gets pushed on to the </a:t>
+            </a:r>
+            <a:r>
+              <a:rPr b="1" lang="en-US" sz="1400" spc="-1" strike="noStrike">
+                <a:solidFill>
+                  <a:srgbClr val="000000"/>
+                </a:solidFill>
+                <a:latin typeface="Courier New"/>
+                <a:ea typeface="DejaVu Sans"/>
+              </a:rPr>
+              <a:t>Abstract Stack. Walls may contain Doors. </a:t>
+            </a:r>
+            <a:r>
+              <a:rPr b="0" lang="en-US" sz="1400" spc="-1" strike="noStrike">
+                <a:solidFill>
+                  <a:srgbClr val="000000"/>
+                </a:solidFill>
+                <a:latin typeface="Courier New"/>
+                <a:ea typeface="DejaVu Sans"/>
+              </a:rPr>
+              <a:t>aont Stack to create Walls. Walls are composed of a Book (A </a:t>
+            </a:r>
+            <a:r>
+              <a:rPr b="1" lang="en-US" sz="1400" spc="-1" strike="noStrike">
+                <a:solidFill>
+                  <a:srgbClr val="000000"/>
+                </a:solidFill>
+                <a:latin typeface="Courier New"/>
+                <a:ea typeface="DejaVu Sans"/>
+              </a:rPr>
+              <a:t>BOK</a:t>
+            </a:r>
+            <a:r>
+              <a:rPr b="0" lang="en-US" sz="1400" spc="-1" strike="noStrike">
+                <a:solidFill>
+                  <a:srgbClr val="000000"/>
+                </a:solidFill>
+                <a:latin typeface="Courier New"/>
+                <a:ea typeface="DejaVu Sans"/>
+              </a:rPr>
+              <a:t> is a unique-key dictionary with nested dictionaries). A</a:t>
+            </a:r>
+            <a:endParaRPr b="0" lang="en-US" sz="1400" spc="-1" strike="noStrike">
+              <a:latin typeface="Arial"/>
+            </a:endParaRPr>
+          </a:p>
+        </p:txBody>
+      </p:sp>
+      <p:sp>
+        <p:nvSpPr>
+          <p:cNvPr id="52" name="TextShape 13"/>
+          <p:cNvSpPr txBox="1"/>
+          <p:nvPr/>
+        </p:nvSpPr>
+        <p:spPr>
+          <a:xfrm>
+            <a:off x="17776440" y="21488400"/>
+            <a:ext cx="14959080" cy="343440"/>
+          </a:xfrm>
+          <a:prstGeom prst="rect">
+            <a:avLst/>
+          </a:prstGeom>
+          <a:noFill/>
+          <a:ln>
+            <a:noFill/>
+          </a:ln>
+        </p:spPr>
+        <p:txBody>
+          <a:bodyPr lIns="90000" rIns="90000" tIns="45000" bIns="45000"/>
+          <a:p>
+            <a:r>
+              <a:rPr b="0" lang="en-US" sz="1800" spc="-1" strike="noStrike">
                 <a:latin typeface="Arial"/>
               </a:rPr>
-              <a:t>Competitive Benchmarks</a:t>
+              <a:t>Script licensed under the Apache 2.0 License and is the Intellectual Property of Cale McCollough © Copyright 2017: Free as in Freedom to Create.</a:t>
             </a:r>
             <a:endParaRPr b="0" lang="en-US" sz="1800" spc="-1" strike="noStrike">
-              <a:solidFill>
-                <a:srgbClr val="000000"/>
-              </a:solidFill>
-              <a:uFill>
-                <a:solidFill>
-                  <a:srgbClr val="ffffff"/>
-                </a:solidFill>
-              </a:uFill>
-              <a:latin typeface="Arial"/>
-            </a:endParaRPr>
-          </a:p>
-          <a:p>
-            <a:r>
-              <a:rPr b="0" lang="en-US" sz="1800" spc="-1" strike="noStrike">
-                <a:solidFill>
-                  <a:srgbClr val="000000"/>
-                </a:solidFill>
-                <a:uFill>
-                  <a:solidFill>
-                    <a:srgbClr val="ffffff"/>
-                  </a:solidFill>
-                </a:uFill>
-                <a:latin typeface="Arial"/>
-              </a:rPr>
-              <a:t>Benchmark compared to 1000 calls to Boost, eRPC, and Thrift, to 1000 calls to both Serial SPRIPT and </a:t>
-            </a:r>
-            <a:endParaRPr b="0" lang="en-US" sz="1800" spc="-1" strike="noStrike">
-              <a:solidFill>
-                <a:srgbClr val="000000"/>
-              </a:solidFill>
-              <a:uFill>
-                <a:solidFill>
-                  <a:srgbClr val="ffffff"/>
-                </a:solidFill>
-              </a:uFill>
-              <a:latin typeface="Arial"/>
-            </a:endParaRPr>
-          </a:p>
-          <a:p>
-            <a:r>
-              <a:rPr b="0" lang="en-US" sz="1800" spc="-1" strike="noStrike">
-                <a:solidFill>
-                  <a:srgbClr val="000000"/>
-                </a:solidFill>
-                <a:uFill>
-                  <a:solidFill>
-                    <a:srgbClr val="ffffff"/>
-                  </a:solidFill>
-                </a:uFill>
-                <a:latin typeface="Arial"/>
-              </a:rPr>
-              <a:t>Interprocess scripts.</a:t>
-            </a:r>
-            <a:endParaRPr b="0" lang="en-US" sz="1800" spc="-1" strike="noStrike">
-              <a:solidFill>
-                <a:srgbClr val="000000"/>
-              </a:solidFill>
-              <a:uFill>
-                <a:solidFill>
-                  <a:srgbClr val="ffffff"/>
-                </a:solidFill>
-              </a:uFill>
               <a:latin typeface="Arial"/>
             </a:endParaRPr>
           </a:p>
